--- a/ppt/중간프로젝트 기획안 _ (1팀).pptx
+++ b/ppt/중간프로젝트 기획안 _ (1팀).pptx
@@ -150,7 +150,7 @@
   </p:defaultTextStyle>
   <p:extLst>
     <p:ext uri="{EFAFB233-063F-42B5-8137-9DF3F51BA10A}">
-      <p15:sldGuideLst xmlns="" xmlns:p15="http://schemas.microsoft.com/office/powerpoint/2012/main">
+      <p15:sldGuideLst xmlns:p15="http://schemas.microsoft.com/office/powerpoint/2012/main" xmlns="">
         <p15:guide id="1" orient="horz" pos="2160">
           <p15:clr>
             <a:srgbClr val="A4A3A4"/>
@@ -279,7 +279,7 @@
               <a:pPr>
                 <a:defRPr/>
               </a:pPr>
-              <a:t>2023-03-29</a:t>
+              <a:t>2023-04-13</a:t>
             </a:fld>
             <a:endParaRPr lang="ko-KR" altLang="en-US"/>
           </a:p>
@@ -475,7 +475,7 @@
     </p:spTree>
     <p:extLst>
       <p:ext uri="{BB962C8B-B14F-4D97-AF65-F5344CB8AC3E}">
-        <p14:creationId xmlns="" xmlns:p14="http://schemas.microsoft.com/office/powerpoint/2010/main" val="2298300096"/>
+        <p14:creationId xmlns:p14="http://schemas.microsoft.com/office/powerpoint/2010/main" xmlns="" val="2298300096"/>
       </p:ext>
     </p:extLst>
   </p:cSld>
@@ -796,7 +796,7 @@
               <a:pPr>
                 <a:defRPr/>
               </a:pPr>
-              <a:t>2023-03-29</a:t>
+              <a:t>2023-04-13</a:t>
             </a:fld>
             <a:endParaRPr lang="ko-KR" altLang="en-US"/>
           </a:p>
@@ -864,7 +864,7 @@
     </p:spTree>
     <p:extLst>
       <p:ext uri="{BB962C8B-B14F-4D97-AF65-F5344CB8AC3E}">
-        <p14:creationId xmlns="" xmlns:p14="http://schemas.microsoft.com/office/powerpoint/2010/main" val="3636223116"/>
+        <p14:creationId xmlns:p14="http://schemas.microsoft.com/office/powerpoint/2010/main" xmlns="" val="3636223116"/>
       </p:ext>
     </p:extLst>
   </p:cSld>
@@ -993,7 +993,7 @@
               <a:pPr>
                 <a:defRPr/>
               </a:pPr>
-              <a:t>2023-03-29</a:t>
+              <a:t>2023-04-13</a:t>
             </a:fld>
             <a:endParaRPr lang="ko-KR" altLang="en-US"/>
           </a:p>
@@ -1061,7 +1061,7 @@
     </p:spTree>
     <p:extLst>
       <p:ext uri="{BB962C8B-B14F-4D97-AF65-F5344CB8AC3E}">
-        <p14:creationId xmlns="" xmlns:p14="http://schemas.microsoft.com/office/powerpoint/2010/main" val="1923301270"/>
+        <p14:creationId xmlns:p14="http://schemas.microsoft.com/office/powerpoint/2010/main" xmlns="" val="1923301270"/>
       </p:ext>
     </p:extLst>
   </p:cSld>
@@ -1200,7 +1200,7 @@
               <a:pPr>
                 <a:defRPr/>
               </a:pPr>
-              <a:t>2023-03-29</a:t>
+              <a:t>2023-04-13</a:t>
             </a:fld>
             <a:endParaRPr lang="ko-KR" altLang="en-US"/>
           </a:p>
@@ -1268,7 +1268,7 @@
     </p:spTree>
     <p:extLst>
       <p:ext uri="{BB962C8B-B14F-4D97-AF65-F5344CB8AC3E}">
-        <p14:creationId xmlns="" xmlns:p14="http://schemas.microsoft.com/office/powerpoint/2010/main" val="3408806277"/>
+        <p14:creationId xmlns:p14="http://schemas.microsoft.com/office/powerpoint/2010/main" xmlns="" val="3408806277"/>
       </p:ext>
     </p:extLst>
   </p:cSld>
@@ -1397,7 +1397,7 @@
               <a:pPr>
                 <a:defRPr/>
               </a:pPr>
-              <a:t>2023-03-29</a:t>
+              <a:t>2023-04-13</a:t>
             </a:fld>
             <a:endParaRPr lang="ko-KR" altLang="en-US"/>
           </a:p>
@@ -1465,7 +1465,7 @@
     </p:spTree>
     <p:extLst>
       <p:ext uri="{BB962C8B-B14F-4D97-AF65-F5344CB8AC3E}">
-        <p14:creationId xmlns="" xmlns:p14="http://schemas.microsoft.com/office/powerpoint/2010/main" val="1549668477"/>
+        <p14:creationId xmlns:p14="http://schemas.microsoft.com/office/powerpoint/2010/main" xmlns="" val="1549668477"/>
       </p:ext>
     </p:extLst>
   </p:cSld>
@@ -1670,7 +1670,7 @@
               <a:pPr>
                 <a:defRPr/>
               </a:pPr>
-              <a:t>2023-03-29</a:t>
+              <a:t>2023-04-13</a:t>
             </a:fld>
             <a:endParaRPr lang="ko-KR" altLang="en-US"/>
           </a:p>
@@ -1738,7 +1738,7 @@
     </p:spTree>
     <p:extLst>
       <p:ext uri="{BB962C8B-B14F-4D97-AF65-F5344CB8AC3E}">
-        <p14:creationId xmlns="" xmlns:p14="http://schemas.microsoft.com/office/powerpoint/2010/main" val="1083808973"/>
+        <p14:creationId xmlns:p14="http://schemas.microsoft.com/office/powerpoint/2010/main" xmlns="" val="1083808973"/>
       </p:ext>
     </p:extLst>
   </p:cSld>
@@ -1985,7 +1985,7 @@
               <a:pPr>
                 <a:defRPr/>
               </a:pPr>
-              <a:t>2023-03-29</a:t>
+              <a:t>2023-04-13</a:t>
             </a:fld>
             <a:endParaRPr lang="ko-KR" altLang="en-US"/>
           </a:p>
@@ -2053,7 +2053,7 @@
     </p:spTree>
     <p:extLst>
       <p:ext uri="{BB962C8B-B14F-4D97-AF65-F5344CB8AC3E}">
-        <p14:creationId xmlns="" xmlns:p14="http://schemas.microsoft.com/office/powerpoint/2010/main" val="3910854368"/>
+        <p14:creationId xmlns:p14="http://schemas.microsoft.com/office/powerpoint/2010/main" xmlns="" val="3910854368"/>
       </p:ext>
     </p:extLst>
   </p:cSld>
@@ -2434,7 +2434,7 @@
               <a:pPr>
                 <a:defRPr/>
               </a:pPr>
-              <a:t>2023-03-29</a:t>
+              <a:t>2023-04-13</a:t>
             </a:fld>
             <a:endParaRPr lang="ko-KR" altLang="en-US"/>
           </a:p>
@@ -2502,7 +2502,7 @@
     </p:spTree>
     <p:extLst>
       <p:ext uri="{BB962C8B-B14F-4D97-AF65-F5344CB8AC3E}">
-        <p14:creationId xmlns="" xmlns:p14="http://schemas.microsoft.com/office/powerpoint/2010/main" val="4223930405"/>
+        <p14:creationId xmlns:p14="http://schemas.microsoft.com/office/powerpoint/2010/main" xmlns="" val="4223930405"/>
       </p:ext>
     </p:extLst>
   </p:cSld>
@@ -2579,7 +2579,7 @@
               <a:pPr>
                 <a:defRPr/>
               </a:pPr>
-              <a:t>2023-03-29</a:t>
+              <a:t>2023-04-13</a:t>
             </a:fld>
             <a:endParaRPr lang="ko-KR" altLang="en-US"/>
           </a:p>
@@ -2647,7 +2647,7 @@
     </p:spTree>
     <p:extLst>
       <p:ext uri="{BB962C8B-B14F-4D97-AF65-F5344CB8AC3E}">
-        <p14:creationId xmlns="" xmlns:p14="http://schemas.microsoft.com/office/powerpoint/2010/main" val="418365225"/>
+        <p14:creationId xmlns:p14="http://schemas.microsoft.com/office/powerpoint/2010/main" xmlns="" val="418365225"/>
       </p:ext>
     </p:extLst>
   </p:cSld>
@@ -2794,7 +2794,7 @@
           <a:blip r:embed="rId2" cstate="print">
             <a:extLst>
               <a:ext uri="{28A0092B-C50C-407E-A947-70E740481C1C}">
-                <a14:useLocalDpi xmlns="" xmlns:a14="http://schemas.microsoft.com/office/drawing/2010/main" val="0"/>
+                <a14:useLocalDpi xmlns:a14="http://schemas.microsoft.com/office/drawing/2010/main" xmlns="" val="0"/>
               </a:ext>
             </a:extLst>
           </a:blip>
@@ -2815,7 +2815,7 @@
     </p:spTree>
     <p:extLst>
       <p:ext uri="{BB962C8B-B14F-4D97-AF65-F5344CB8AC3E}">
-        <p14:creationId xmlns="" xmlns:p14="http://schemas.microsoft.com/office/powerpoint/2010/main" val="3368593078"/>
+        <p14:creationId xmlns:p14="http://schemas.microsoft.com/office/powerpoint/2010/main" xmlns="" val="3368593078"/>
       </p:ext>
     </p:extLst>
   </p:cSld>
@@ -3051,7 +3051,7 @@
               <a:pPr>
                 <a:defRPr/>
               </a:pPr>
-              <a:t>2023-03-29</a:t>
+              <a:t>2023-04-13</a:t>
             </a:fld>
             <a:endParaRPr lang="ko-KR" altLang="en-US"/>
           </a:p>
@@ -3119,7 +3119,7 @@
     </p:spTree>
     <p:extLst>
       <p:ext uri="{BB962C8B-B14F-4D97-AF65-F5344CB8AC3E}">
-        <p14:creationId xmlns="" xmlns:p14="http://schemas.microsoft.com/office/powerpoint/2010/main" val="1438917134"/>
+        <p14:creationId xmlns:p14="http://schemas.microsoft.com/office/powerpoint/2010/main" xmlns="" val="1438917134"/>
       </p:ext>
     </p:extLst>
   </p:cSld>
@@ -3334,7 +3334,7 @@
               <a:pPr>
                 <a:defRPr/>
               </a:pPr>
-              <a:t>2023-03-29</a:t>
+              <a:t>2023-04-13</a:t>
             </a:fld>
             <a:endParaRPr lang="ko-KR" altLang="en-US"/>
           </a:p>
@@ -3402,7 +3402,7 @@
     </p:spTree>
     <p:extLst>
       <p:ext uri="{BB962C8B-B14F-4D97-AF65-F5344CB8AC3E}">
-        <p14:creationId xmlns="" xmlns:p14="http://schemas.microsoft.com/office/powerpoint/2010/main" val="344758488"/>
+        <p14:creationId xmlns:p14="http://schemas.microsoft.com/office/powerpoint/2010/main" xmlns="" val="344758488"/>
       </p:ext>
     </p:extLst>
   </p:cSld>
@@ -3461,14 +3461,14 @@
           </a:ln>
           <a:extLst>
             <a:ext uri="{909E8E84-426E-40DD-AFC4-6F175D3DCCD1}">
-              <a14:hiddenFill xmlns="" xmlns:a14="http://schemas.microsoft.com/office/drawing/2010/main">
+              <a14:hiddenFill xmlns:a14="http://schemas.microsoft.com/office/drawing/2010/main" xmlns="">
                 <a:solidFill>
                   <a:srgbClr val="FFFFFF"/>
                 </a:solidFill>
               </a14:hiddenFill>
             </a:ext>
             <a:ext uri="{91240B29-F687-4F45-9708-019B960494DF}">
-              <a14:hiddenLine xmlns="" xmlns:a14="http://schemas.microsoft.com/office/drawing/2010/main" w="9525">
+              <a14:hiddenLine xmlns:a14="http://schemas.microsoft.com/office/drawing/2010/main" xmlns="" w="9525">
                 <a:solidFill>
                   <a:srgbClr val="000000"/>
                 </a:solidFill>
@@ -3519,14 +3519,14 @@
           </a:ln>
           <a:extLst>
             <a:ext uri="{909E8E84-426E-40DD-AFC4-6F175D3DCCD1}">
-              <a14:hiddenFill xmlns="" xmlns:a14="http://schemas.microsoft.com/office/drawing/2010/main">
+              <a14:hiddenFill xmlns:a14="http://schemas.microsoft.com/office/drawing/2010/main" xmlns="">
                 <a:solidFill>
                   <a:srgbClr val="FFFFFF"/>
                 </a:solidFill>
               </a14:hiddenFill>
             </a:ext>
             <a:ext uri="{91240B29-F687-4F45-9708-019B960494DF}">
-              <a14:hiddenLine xmlns="" xmlns:a14="http://schemas.microsoft.com/office/drawing/2010/main" w="9525">
+              <a14:hiddenLine xmlns:a14="http://schemas.microsoft.com/office/drawing/2010/main" xmlns="" w="9525">
                 <a:solidFill>
                   <a:srgbClr val="000000"/>
                 </a:solidFill>
@@ -3630,7 +3630,7 @@
               <a:pPr>
                 <a:defRPr/>
               </a:pPr>
-              <a:t>2023-03-29</a:t>
+              <a:t>2023-04-13</a:t>
             </a:fld>
             <a:endParaRPr lang="ko-KR" altLang="en-US"/>
           </a:p>
@@ -4286,8 +4286,8 @@
         </p:nvSpPr>
         <p:spPr>
           <a:xfrm>
-            <a:off x="1043608" y="1981289"/>
-            <a:ext cx="7056784" cy="1015663"/>
+            <a:off x="285720" y="1962685"/>
+            <a:ext cx="8572560" cy="1323439"/>
           </a:xfrm>
           <a:prstGeom prst="rect">
             <a:avLst/>
@@ -4303,9 +4303,9 @@
           </a:bodyPr>
           <a:lstStyle/>
           <a:p>
-            <a:pPr algn="dist"/>
-            <a:r>
-              <a:rPr lang="en-US" altLang="ko-KR" sz="6000" b="1" dirty="0" smtClean="0">
+            <a:pPr algn="ctr"/>
+            <a:r>
+              <a:rPr lang="ko-KR" altLang="en-US" sz="4000" b="1" dirty="0" err="1" smtClean="0">
                 <a:ln w="18000">
                   <a:solidFill>
                     <a:srgbClr val="2D1152"/>
@@ -4325,10 +4325,10 @@
                 </a:effectLst>
                 <a:ea typeface="맑은 고딕" panose="020B0503020000020004" pitchFamily="50" charset="-127"/>
               </a:rPr>
-              <a:t>1</a:t>
-            </a:r>
-            <a:r>
-              <a:rPr lang="ko-KR" altLang="en-US" sz="6000" b="1" smtClean="0">
+              <a:t>저출산</a:t>
+            </a:r>
+            <a:r>
+              <a:rPr lang="ko-KR" altLang="en-US" sz="4000" b="1" dirty="0" smtClean="0">
                 <a:ln w="18000">
                   <a:solidFill>
                     <a:srgbClr val="2D1152"/>
@@ -4348,78 +4348,9 @@
                 </a:effectLst>
                 <a:ea typeface="맑은 고딕" panose="020B0503020000020004" pitchFamily="50" charset="-127"/>
               </a:rPr>
-              <a:t>팀프로젝트명</a:t>
-            </a:r>
-            <a:r>
-              <a:rPr lang="en-US" altLang="ko-KR" sz="6000" b="1" dirty="0" smtClean="0">
-                <a:ln w="18000">
-                  <a:solidFill>
-                    <a:srgbClr val="2D1152"/>
-                  </a:solidFill>
-                  <a:prstDash val="solid"/>
-                  <a:miter lim="800000"/>
-                </a:ln>
-                <a:solidFill>
-                  <a:srgbClr val="2D1152"/>
-                </a:solidFill>
-                <a:effectLst>
-                  <a:outerShdw blurRad="25500" dist="23000" dir="7020000" algn="tl">
-                    <a:srgbClr val="000000">
-                      <a:alpha val="50000"/>
-                    </a:srgbClr>
-                  </a:outerShdw>
-                </a:effectLst>
-                <a:ea typeface="맑은 고딕" panose="020B0503020000020004" pitchFamily="50" charset="-127"/>
-              </a:rPr>
-              <a:t> </a:t>
-            </a:r>
-            <a:r>
-              <a:rPr lang="ko-KR" altLang="en-US" sz="6000" b="1" dirty="0" smtClean="0">
-                <a:ln w="18000">
-                  <a:solidFill>
-                    <a:srgbClr val="2D1152"/>
-                  </a:solidFill>
-                  <a:prstDash val="solid"/>
-                  <a:miter lim="800000"/>
-                </a:ln>
-                <a:solidFill>
-                  <a:srgbClr val="2D1152"/>
-                </a:solidFill>
-                <a:effectLst>
-                  <a:outerShdw blurRad="25500" dist="23000" dir="7020000" algn="tl">
-                    <a:srgbClr val="000000">
-                      <a:alpha val="50000"/>
-                    </a:srgbClr>
-                  </a:outerShdw>
-                </a:effectLst>
-                <a:ea typeface="맑은 고딕" panose="020B0503020000020004" pitchFamily="50" charset="-127"/>
-              </a:rPr>
-              <a:t>작성</a:t>
-            </a:r>
-            <a:r>
-              <a:rPr lang="en-US" altLang="ko-KR" sz="6000" b="1" dirty="0" smtClean="0">
-                <a:ln w="18000">
-                  <a:solidFill>
-                    <a:srgbClr val="2D1152"/>
-                  </a:solidFill>
-                  <a:prstDash val="solid"/>
-                  <a:miter lim="800000"/>
-                </a:ln>
-                <a:solidFill>
-                  <a:srgbClr val="2D1152"/>
-                </a:solidFill>
-                <a:effectLst>
-                  <a:outerShdw blurRad="25500" dist="23000" dir="7020000" algn="tl">
-                    <a:srgbClr val="000000">
-                      <a:alpha val="50000"/>
-                    </a:srgbClr>
-                  </a:outerShdw>
-                </a:effectLst>
-                <a:ea typeface="맑은 고딕" panose="020B0503020000020004" pitchFamily="50" charset="-127"/>
-              </a:rPr>
-              <a:t>!</a:t>
-            </a:r>
-            <a:endParaRPr lang="en-US" altLang="ko-KR" sz="6000" b="1" cap="none" spc="0" dirty="0">
+              <a:t> 지원 정책 수립을 위한</a:t>
+            </a:r>
+            <a:endParaRPr lang="en-US" altLang="ko-KR" sz="4000" b="1" dirty="0" smtClean="0">
               <a:ln w="18000">
                 <a:solidFill>
                   <a:srgbClr val="2D1152"/>
@@ -4440,6 +4371,98 @@
               <a:ea typeface="맑은 고딕" panose="020B0503020000020004" pitchFamily="50" charset="-127"/>
             </a:endParaRPr>
           </a:p>
+          <a:p>
+            <a:pPr algn="ctr"/>
+            <a:r>
+              <a:rPr lang="ko-KR" altLang="en-US" sz="4000" b="1" dirty="0" err="1" smtClean="0">
+                <a:ln w="18000">
+                  <a:solidFill>
+                    <a:srgbClr val="2D1152"/>
+                  </a:solidFill>
+                  <a:prstDash val="solid"/>
+                  <a:miter lim="800000"/>
+                </a:ln>
+                <a:solidFill>
+                  <a:srgbClr val="2D1152"/>
+                </a:solidFill>
+                <a:effectLst>
+                  <a:outerShdw blurRad="25500" dist="23000" dir="7020000" algn="tl">
+                    <a:srgbClr val="000000">
+                      <a:alpha val="50000"/>
+                    </a:srgbClr>
+                  </a:outerShdw>
+                </a:effectLst>
+                <a:ea typeface="맑은 고딕" panose="020B0503020000020004" pitchFamily="50" charset="-127"/>
+              </a:rPr>
+              <a:t>저출산</a:t>
+            </a:r>
+            <a:r>
+              <a:rPr lang="en-US" altLang="ko-KR" sz="4000" b="1" dirty="0" smtClean="0">
+                <a:ln w="18000">
+                  <a:solidFill>
+                    <a:srgbClr val="2D1152"/>
+                  </a:solidFill>
+                  <a:prstDash val="solid"/>
+                  <a:miter lim="800000"/>
+                </a:ln>
+                <a:solidFill>
+                  <a:srgbClr val="2D1152"/>
+                </a:solidFill>
+                <a:effectLst>
+                  <a:outerShdw blurRad="25500" dist="23000" dir="7020000" algn="tl">
+                    <a:srgbClr val="000000">
+                      <a:alpha val="50000"/>
+                    </a:srgbClr>
+                  </a:outerShdw>
+                </a:effectLst>
+                <a:ea typeface="맑은 고딕" panose="020B0503020000020004" pitchFamily="50" charset="-127"/>
+              </a:rPr>
+              <a:t> </a:t>
+            </a:r>
+            <a:r>
+              <a:rPr lang="ko-KR" altLang="en-US" sz="4000" b="1" dirty="0" smtClean="0">
+                <a:ln w="18000">
+                  <a:solidFill>
+                    <a:srgbClr val="2D1152"/>
+                  </a:solidFill>
+                  <a:prstDash val="solid"/>
+                  <a:miter lim="800000"/>
+                </a:ln>
+                <a:solidFill>
+                  <a:srgbClr val="2D1152"/>
+                </a:solidFill>
+                <a:effectLst>
+                  <a:outerShdw blurRad="25500" dist="23000" dir="7020000" algn="tl">
+                    <a:srgbClr val="000000">
+                      <a:alpha val="50000"/>
+                    </a:srgbClr>
+                  </a:outerShdw>
+                </a:effectLst>
+                <a:ea typeface="맑은 고딕" panose="020B0503020000020004" pitchFamily="50" charset="-127"/>
+              </a:rPr>
+              <a:t>요인 분석</a:t>
+            </a:r>
+            <a:endParaRPr lang="en-US" altLang="ko-KR" sz="4000" b="1" dirty="0" smtClean="0">
+              <a:ln w="18000">
+                <a:solidFill>
+                  <a:srgbClr val="2D1152"/>
+                </a:solidFill>
+                <a:prstDash val="solid"/>
+                <a:miter lim="800000"/>
+              </a:ln>
+              <a:solidFill>
+                <a:srgbClr val="2D1152"/>
+              </a:solidFill>
+              <a:effectLst>
+                <a:outerShdw blurRad="25500" dist="23000" dir="7020000" algn="tl">
+                  <a:srgbClr val="000000">
+                    <a:alpha val="50000"/>
+                  </a:srgbClr>
+                </a:outerShdw>
+              </a:effectLst>
+              <a:ea typeface="맑은 고딕" panose="020B0503020000020004" pitchFamily="50" charset="-127"/>
+            </a:endParaRPr>
+          </a:p>
         </p:txBody>
       </p:sp>
       <p:sp>
@@ -4464,14 +4487,14 @@
           </a:ln>
           <a:extLst>
             <a:ext uri="{909E8E84-426E-40DD-AFC4-6F175D3DCCD1}">
-              <a14:hiddenFill xmlns="" xmlns:a14="http://schemas.microsoft.com/office/drawing/2010/main">
+              <a14:hiddenFill xmlns:a14="http://schemas.microsoft.com/office/drawing/2010/main" xmlns="">
                 <a:solidFill>
                   <a:srgbClr val="FFFFFF"/>
                 </a:solidFill>
               </a14:hiddenFill>
             </a:ext>
             <a:ext uri="{91240B29-F687-4F45-9708-019B960494DF}">
-              <a14:hiddenLine xmlns="" xmlns:a14="http://schemas.microsoft.com/office/drawing/2010/main" w="9525">
+              <a14:hiddenLine xmlns:a14="http://schemas.microsoft.com/office/drawing/2010/main" xmlns="" w="9525">
                 <a:solidFill>
                   <a:srgbClr val="000000"/>
                 </a:solidFill>
@@ -4635,7 +4658,7 @@
               <a:buNone/>
             </a:pPr>
             <a:r>
-              <a:rPr kumimoji="0" lang="ko-KR" altLang="en-US" sz="2000" b="1" u="sng" dirty="0" smtClean="0">
+              <a:rPr kumimoji="0" lang="ko-KR" altLang="en-US" sz="2000" b="1" u="sng" smtClean="0">
                 <a:solidFill>
                   <a:schemeClr val="bg1"/>
                 </a:solidFill>
@@ -4647,7 +4670,22 @@
                   </a:outerShdw>
                 </a:effectLst>
               </a:rPr>
-              <a:t>중간 프로젝트 </a:t>
+              <a:t>중간 </a:t>
+            </a:r>
+            <a:r>
+              <a:rPr kumimoji="0" lang="ko-KR" altLang="en-US" sz="2000" b="1" u="sng" dirty="0" smtClean="0">
+                <a:solidFill>
+                  <a:schemeClr val="bg1"/>
+                </a:solidFill>
+                <a:effectLst>
+                  <a:outerShdw blurRad="38100" dist="38100" dir="2700000" algn="tl">
+                    <a:srgbClr val="000000">
+                      <a:alpha val="43137"/>
+                    </a:srgbClr>
+                  </a:outerShdw>
+                </a:effectLst>
+              </a:rPr>
+              <a:t>프로젝트 </a:t>
             </a:r>
             <a:r>
               <a:rPr kumimoji="0" lang="ko-KR" altLang="en-US" sz="2000" b="1" u="sng" dirty="0" err="1" smtClean="0">
@@ -4691,7 +4729,7 @@
           <a:blip r:embed="rId2" cstate="print">
             <a:extLst>
               <a:ext uri="{28A0092B-C50C-407E-A947-70E740481C1C}">
-                <a14:useLocalDpi xmlns="" xmlns:a14="http://schemas.microsoft.com/office/drawing/2010/main" val="0"/>
+                <a14:useLocalDpi xmlns:a14="http://schemas.microsoft.com/office/drawing/2010/main" xmlns="" val="0"/>
               </a:ext>
             </a:extLst>
           </a:blip>
@@ -4731,14 +4769,14 @@
           </a:ln>
           <a:extLst>
             <a:ext uri="{909E8E84-426E-40DD-AFC4-6F175D3DCCD1}">
-              <a14:hiddenFill xmlns:lc="http://schemas.openxmlformats.org/drawingml/2006/lockedCanvas" xmlns:a14="http://schemas.microsoft.com/office/drawing/2010/main" xmlns="">
+              <a14:hiddenFill xmlns="" xmlns:a14="http://schemas.microsoft.com/office/drawing/2010/main" xmlns:lc="http://schemas.openxmlformats.org/drawingml/2006/lockedCanvas">
                 <a:solidFill>
                   <a:srgbClr val="FFFFFF"/>
                 </a:solidFill>
               </a14:hiddenFill>
             </a:ext>
             <a:ext uri="{91240B29-F687-4F45-9708-019B960494DF}">
-              <a14:hiddenLine xmlns:lc="http://schemas.openxmlformats.org/drawingml/2006/lockedCanvas" xmlns:a14="http://schemas.microsoft.com/office/drawing/2010/main" xmlns="" w="9525">
+              <a14:hiddenLine xmlns="" xmlns:a14="http://schemas.microsoft.com/office/drawing/2010/main" xmlns:lc="http://schemas.openxmlformats.org/drawingml/2006/lockedCanvas" w="9525">
                 <a:solidFill>
                   <a:srgbClr val="000000"/>
                 </a:solidFill>
@@ -5021,13 +5059,7 @@
               <a:rPr kumimoji="0" lang="en-US" altLang="ko-KR" sz="1300" b="1" dirty="0" smtClean="0">
                 <a:ea typeface="맑은 고딕" pitchFamily="50" charset="-127"/>
               </a:rPr>
-              <a:t>: </a:t>
-            </a:r>
-            <a:r>
-              <a:rPr kumimoji="0" lang="en-US" altLang="ko-KR" sz="1300" b="1" dirty="0" smtClean="0">
-                <a:ea typeface="맑은 고딕" pitchFamily="50" charset="-127"/>
-              </a:rPr>
-              <a:t>1</a:t>
+              <a:t>: 1</a:t>
             </a:r>
             <a:r>
               <a:rPr kumimoji="0" lang="ko-KR" altLang="en-US" sz="1300" b="1" dirty="0" smtClean="0">
@@ -5060,19 +5092,73 @@
               <a:rPr kumimoji="0" lang="en-US" altLang="ko-KR" sz="1300" b="1" dirty="0" smtClean="0">
                 <a:ea typeface="맑은 고딕" pitchFamily="50" charset="-127"/>
               </a:rPr>
-              <a:t>:                |   </a:t>
+              <a:t>:   </a:t>
             </a:r>
             <a:r>
               <a:rPr kumimoji="0" lang="ko-KR" altLang="en-US" sz="1300" b="1" dirty="0" smtClean="0">
                 <a:ea typeface="맑은 고딕" pitchFamily="50" charset="-127"/>
               </a:rPr>
-              <a:t>팀 원 </a:t>
+              <a:t>황준하</a:t>
             </a:r>
             <a:r>
               <a:rPr kumimoji="0" lang="en-US" altLang="ko-KR" sz="1300" b="1" dirty="0" smtClean="0">
                 <a:ea typeface="맑은 고딕" pitchFamily="50" charset="-127"/>
               </a:rPr>
-              <a:t>:  </a:t>
+              <a:t>       |   </a:t>
+            </a:r>
+            <a:r>
+              <a:rPr kumimoji="0" lang="ko-KR" altLang="en-US" sz="1300" b="1" dirty="0" smtClean="0">
+                <a:ea typeface="맑은 고딕" pitchFamily="50" charset="-127"/>
+              </a:rPr>
+              <a:t>팀 원 </a:t>
+            </a:r>
+            <a:r>
+              <a:rPr kumimoji="0" lang="en-US" altLang="ko-KR" sz="1300" b="1" dirty="0" smtClean="0">
+                <a:ea typeface="맑은 고딕" pitchFamily="50" charset="-127"/>
+              </a:rPr>
+              <a:t>:   </a:t>
+            </a:r>
+            <a:r>
+              <a:rPr kumimoji="0" lang="ko-KR" altLang="en-US" sz="1300" b="1" dirty="0" smtClean="0">
+                <a:ea typeface="맑은 고딕" pitchFamily="50" charset="-127"/>
+              </a:rPr>
+              <a:t>장상윤</a:t>
+            </a:r>
+            <a:r>
+              <a:rPr kumimoji="0" lang="en-US" altLang="ko-KR" sz="1300" b="1" dirty="0" smtClean="0">
+                <a:ea typeface="맑은 고딕" pitchFamily="50" charset="-127"/>
+              </a:rPr>
+              <a:t>, </a:t>
+            </a:r>
+            <a:r>
+              <a:rPr kumimoji="0" lang="ko-KR" altLang="en-US" sz="1300" b="1" dirty="0" err="1" smtClean="0">
+                <a:ea typeface="맑은 고딕" pitchFamily="50" charset="-127"/>
+              </a:rPr>
+              <a:t>정구열</a:t>
+            </a:r>
+            <a:r>
+              <a:rPr kumimoji="0" lang="en-US" altLang="ko-KR" sz="1300" b="1" dirty="0" smtClean="0">
+                <a:ea typeface="맑은 고딕" pitchFamily="50" charset="-127"/>
+              </a:rPr>
+              <a:t>, </a:t>
+            </a:r>
+            <a:r>
+              <a:rPr kumimoji="0" lang="ko-KR" altLang="en-US" sz="1300" b="1" dirty="0" smtClean="0">
+                <a:ea typeface="맑은 고딕" pitchFamily="50" charset="-127"/>
+              </a:rPr>
+              <a:t>한태성</a:t>
+            </a:r>
+            <a:r>
+              <a:rPr kumimoji="0" lang="en-US" altLang="ko-KR" sz="1300" b="1" dirty="0" smtClean="0">
+                <a:ea typeface="맑은 고딕" pitchFamily="50" charset="-127"/>
+              </a:rPr>
+              <a:t>, </a:t>
+            </a:r>
+            <a:r>
+              <a:rPr kumimoji="0" lang="ko-KR" altLang="en-US" sz="1300" b="1" dirty="0" smtClean="0">
+                <a:ea typeface="맑은 고딕" pitchFamily="50" charset="-127"/>
+              </a:rPr>
+              <a:t>홍재연</a:t>
             </a:r>
             <a:endParaRPr kumimoji="0" lang="ko-KR" altLang="en-US" sz="1300" b="1" dirty="0">
               <a:ea typeface="맑은 고딕" pitchFamily="50" charset="-127"/>
@@ -5340,7 +5426,7 @@
           <a:blip r:embed="rId2" cstate="print">
             <a:extLst>
               <a:ext uri="{28A0092B-C50C-407E-A947-70E740481C1C}">
-                <a14:useLocalDpi xmlns="" xmlns:a14="http://schemas.microsoft.com/office/drawing/2010/main" val="0"/>
+                <a14:useLocalDpi xmlns:a14="http://schemas.microsoft.com/office/drawing/2010/main" xmlns="" val="0"/>
               </a:ext>
             </a:extLst>
           </a:blip>
@@ -5399,7 +5485,7 @@
         <p:spPr>
           <a:xfrm>
             <a:off x="755576" y="836712"/>
-            <a:ext cx="2717156" cy="400110"/>
+            <a:ext cx="6602506" cy="400110"/>
           </a:xfrm>
           <a:prstGeom prst="rect">
             <a:avLst/>
@@ -5436,16 +5522,26 @@
               <a:t>: </a:t>
             </a:r>
             <a:r>
-              <a:rPr lang="ko-KR" altLang="en-US" sz="2000" b="1" u="sng" dirty="0" smtClean="0">
+              <a:rPr lang="ko-KR" altLang="en-US" sz="2000" b="1" u="sng" dirty="0" err="1" smtClean="0">
                 <a:solidFill>
                   <a:srgbClr val="2D1152"/>
                 </a:solidFill>
                 <a:latin typeface="+mn-ea"/>
                 <a:ea typeface="+mn-ea"/>
               </a:rPr>
-              <a:t>프로젝트 주제</a:t>
-            </a:r>
-            <a:endParaRPr lang="ko-KR" altLang="en-US" sz="2000" b="1" u="sng" dirty="0">
+              <a:t>저출산</a:t>
+            </a:r>
+            <a:r>
+              <a:rPr lang="ko-KR" altLang="en-US" sz="2000" b="1" u="sng" dirty="0" smtClean="0">
+                <a:solidFill>
+                  <a:srgbClr val="2D1152"/>
+                </a:solidFill>
+                <a:latin typeface="+mn-ea"/>
+                <a:ea typeface="+mn-ea"/>
+              </a:rPr>
+              <a:t> 요인 분석</a:t>
+            </a:r>
+            <a:endParaRPr lang="en-US" altLang="ko-KR" sz="2000" b="1" u="sng" dirty="0" smtClean="0">
               <a:solidFill>
                 <a:srgbClr val="2D1152"/>
               </a:solidFill>
@@ -5779,7 +5875,7 @@
           <a:blip r:embed="rId2" cstate="print">
             <a:extLst>
               <a:ext uri="{28A0092B-C50C-407E-A947-70E740481C1C}">
-                <a14:useLocalDpi xmlns="" xmlns:a14="http://schemas.microsoft.com/office/drawing/2010/main" val="0"/>
+                <a14:useLocalDpi xmlns:a14="http://schemas.microsoft.com/office/drawing/2010/main" xmlns="" val="0"/>
               </a:ext>
             </a:extLst>
           </a:blip>
@@ -5806,7 +5902,7 @@
         <p:spPr>
           <a:xfrm>
             <a:off x="755576" y="3068960"/>
-            <a:ext cx="7632848" cy="946413"/>
+            <a:ext cx="7632848" cy="1408078"/>
           </a:xfrm>
           <a:prstGeom prst="rect">
             <a:avLst/>
@@ -5901,28 +5997,43 @@
                 <a:latin typeface="+mn-ea"/>
                 <a:ea typeface="+mn-ea"/>
               </a:rPr>
-              <a:t>                                             </a:t>
-            </a:r>
-            <a:r>
-              <a:rPr lang="ko-KR" altLang="en-US" sz="1700" b="1" u="sng" dirty="0" smtClean="0">
+              <a:t>                                                 </a:t>
+            </a:r>
+            <a:r>
+              <a:rPr lang="ko-KR" altLang="en-US" sz="2000" b="1" u="sng" dirty="0" err="1" smtClean="0">
                 <a:solidFill>
                   <a:srgbClr val="2D1152"/>
                 </a:solidFill>
                 <a:latin typeface="+mn-ea"/>
                 <a:ea typeface="+mn-ea"/>
               </a:rPr>
-              <a:t>무엇을 목적으로 프로젝트를 진행하는가</a:t>
-            </a:r>
-            <a:r>
-              <a:rPr lang="en-US" altLang="ko-KR" sz="1700" b="1" u="sng" dirty="0" smtClean="0">
+              <a:t>저출산</a:t>
+            </a:r>
+            <a:r>
+              <a:rPr lang="ko-KR" altLang="en-US" sz="2000" b="1" u="sng" dirty="0" smtClean="0">
                 <a:solidFill>
                   <a:srgbClr val="2D1152"/>
                 </a:solidFill>
                 <a:latin typeface="+mn-ea"/>
                 <a:ea typeface="+mn-ea"/>
               </a:rPr>
-              <a:t>?</a:t>
-            </a:r>
+              <a:t> 정책 수립 지원</a:t>
+            </a:r>
+            <a:endParaRPr lang="en-US" altLang="ko-KR" sz="2000" b="1" u="sng" dirty="0" smtClean="0">
+              <a:solidFill>
+                <a:srgbClr val="2D1152"/>
+              </a:solidFill>
+              <a:latin typeface="+mn-ea"/>
+              <a:ea typeface="+mn-ea"/>
+            </a:endParaRPr>
+          </a:p>
+          <a:p>
+            <a:pPr>
+              <a:lnSpc>
+                <a:spcPct val="150000"/>
+              </a:lnSpc>
+              <a:defRPr/>
+            </a:pPr>
             <a:endParaRPr lang="ko-KR" altLang="en-US" sz="1700" b="1" u="sng" dirty="0">
               <a:solidFill>
                 <a:srgbClr val="2D1152"/>
@@ -5930,6 +6041,171 @@
               <a:latin typeface="+mn-ea"/>
               <a:ea typeface="+mn-ea"/>
             </a:endParaRPr>
+          </a:p>
+        </p:txBody>
+      </p:sp>
+      <p:sp>
+        <p:nvSpPr>
+          <p:cNvPr id="13" name="TextBox 12"/>
+          <p:cNvSpPr txBox="1"/>
+          <p:nvPr/>
+        </p:nvSpPr>
+        <p:spPr>
+          <a:xfrm>
+            <a:off x="857224" y="4429132"/>
+            <a:ext cx="7429552" cy="1754326"/>
+          </a:xfrm>
+          <a:prstGeom prst="rect">
+            <a:avLst/>
+          </a:prstGeom>
+          <a:noFill/>
+        </p:spPr>
+        <p:txBody>
+          <a:bodyPr wrap="square" rtlCol="0">
+            <a:spAutoFit/>
+          </a:bodyPr>
+          <a:lstStyle/>
+          <a:p>
+            <a:r>
+              <a:rPr lang="ko-KR" altLang="en-US" dirty="0" smtClean="0">
+                <a:latin typeface="+mn-ea"/>
+                <a:ea typeface="+mn-ea"/>
+              </a:rPr>
+              <a:t>정부 지원을 받아 출산 장려 정책 수립에</a:t>
+            </a:r>
+            <a:endParaRPr lang="en-US" altLang="ko-KR" dirty="0" smtClean="0">
+              <a:latin typeface="+mn-ea"/>
+              <a:ea typeface="+mn-ea"/>
+            </a:endParaRPr>
+          </a:p>
+          <a:p>
+            <a:endParaRPr lang="en-US" altLang="ko-KR" dirty="0" smtClean="0">
+              <a:latin typeface="+mn-ea"/>
+              <a:ea typeface="+mn-ea"/>
+            </a:endParaRPr>
+          </a:p>
+          <a:p>
+            <a:r>
+              <a:rPr lang="ko-KR" altLang="en-US" dirty="0" smtClean="0">
+                <a:latin typeface="+mn-ea"/>
+                <a:ea typeface="+mn-ea"/>
+              </a:rPr>
+              <a:t>도움이 될 데이터를 제공하여 </a:t>
+            </a:r>
+            <a:r>
+              <a:rPr lang="ko-KR" altLang="en-US" dirty="0" err="1" smtClean="0">
+                <a:latin typeface="+mn-ea"/>
+                <a:ea typeface="+mn-ea"/>
+              </a:rPr>
+              <a:t>저출산</a:t>
+            </a:r>
+            <a:r>
+              <a:rPr lang="ko-KR" altLang="en-US" dirty="0" smtClean="0">
+                <a:latin typeface="+mn-ea"/>
+                <a:ea typeface="+mn-ea"/>
+              </a:rPr>
+              <a:t> 문제 해결에 기여함</a:t>
+            </a:r>
+            <a:r>
+              <a:rPr lang="en-US" altLang="ko-KR" dirty="0" smtClean="0">
+                <a:latin typeface="+mn-ea"/>
+                <a:ea typeface="+mn-ea"/>
+              </a:rPr>
+              <a:t>.</a:t>
+            </a:r>
+          </a:p>
+          <a:p>
+            <a:endParaRPr lang="en-US" altLang="ko-KR" dirty="0" smtClean="0">
+              <a:latin typeface="+mn-ea"/>
+              <a:ea typeface="+mn-ea"/>
+            </a:endParaRPr>
+          </a:p>
+          <a:p>
+            <a:endParaRPr lang="en-US" altLang="ko-KR" dirty="0" smtClean="0">
+              <a:latin typeface="+mn-ea"/>
+              <a:ea typeface="+mn-ea"/>
+            </a:endParaRPr>
+          </a:p>
+          <a:p>
+            <a:endParaRPr lang="en-US" altLang="ko-KR" dirty="0" smtClean="0">
+              <a:latin typeface="+mn-ea"/>
+              <a:ea typeface="+mn-ea"/>
+            </a:endParaRPr>
+          </a:p>
+        </p:txBody>
+      </p:sp>
+      <p:sp>
+        <p:nvSpPr>
+          <p:cNvPr id="14" name="TextBox 13"/>
+          <p:cNvSpPr txBox="1"/>
+          <p:nvPr/>
+        </p:nvSpPr>
+        <p:spPr>
+          <a:xfrm>
+            <a:off x="857224" y="1571612"/>
+            <a:ext cx="7572428" cy="923330"/>
+          </a:xfrm>
+          <a:prstGeom prst="rect">
+            <a:avLst/>
+          </a:prstGeom>
+          <a:noFill/>
+        </p:spPr>
+        <p:txBody>
+          <a:bodyPr wrap="square" rtlCol="0">
+            <a:spAutoFit/>
+          </a:bodyPr>
+          <a:lstStyle/>
+          <a:p>
+            <a:r>
+              <a:rPr lang="ko-KR" altLang="en-US" dirty="0" smtClean="0">
+                <a:latin typeface="+mn-ea"/>
+                <a:ea typeface="+mn-ea"/>
+              </a:rPr>
+              <a:t>흔히 우리가 알고 있는 </a:t>
+            </a:r>
+            <a:r>
+              <a:rPr lang="ko-KR" altLang="en-US" dirty="0" err="1" smtClean="0">
+                <a:latin typeface="+mn-ea"/>
+                <a:ea typeface="+mn-ea"/>
+              </a:rPr>
+              <a:t>저출산의</a:t>
+            </a:r>
+            <a:r>
+              <a:rPr lang="ko-KR" altLang="en-US" dirty="0" smtClean="0">
+                <a:latin typeface="+mn-ea"/>
+                <a:ea typeface="+mn-ea"/>
+              </a:rPr>
+              <a:t> 원인을 검증</a:t>
+            </a:r>
+            <a:r>
+              <a:rPr lang="en-US" altLang="ko-KR" dirty="0" smtClean="0">
+                <a:latin typeface="+mn-ea"/>
+                <a:ea typeface="+mn-ea"/>
+              </a:rPr>
+              <a:t>.</a:t>
+            </a:r>
+          </a:p>
+          <a:p>
+            <a:endParaRPr lang="en-US" altLang="ko-KR" dirty="0" smtClean="0">
+              <a:latin typeface="+mn-ea"/>
+              <a:ea typeface="+mn-ea"/>
+            </a:endParaRPr>
+          </a:p>
+          <a:p>
+            <a:r>
+              <a:rPr lang="ko-KR" altLang="en-US" dirty="0" smtClean="0">
+                <a:latin typeface="+mn-ea"/>
+                <a:ea typeface="+mn-ea"/>
+              </a:rPr>
+              <a:t>실제로 어떤 요인이 가장 큰 영향력을 갖는지 알아본다</a:t>
+            </a:r>
+            <a:r>
+              <a:rPr lang="en-US" altLang="ko-KR" dirty="0" smtClean="0">
+                <a:latin typeface="+mn-ea"/>
+                <a:ea typeface="+mn-ea"/>
+              </a:rPr>
+              <a:t>.</a:t>
+            </a:r>
           </a:p>
         </p:txBody>
       </p:sp>
@@ -6023,8 +6299,8 @@
         </p:nvGrpSpPr>
         <p:grpSpPr bwMode="auto">
           <a:xfrm>
-            <a:off x="899616" y="1088008"/>
-            <a:ext cx="3419475" cy="2413000"/>
+            <a:off x="1789874" y="1772527"/>
+            <a:ext cx="2643174" cy="1555174"/>
             <a:chOff x="683568" y="908720"/>
             <a:chExt cx="3420000" cy="2412048"/>
           </a:xfrm>
@@ -6083,7 +6359,7 @@
               </a:r>
               <a:r>
                 <a:rPr lang="ko-KR" altLang="en-US" sz="1400" b="1" dirty="0" smtClean="0"/>
-                <a:t>홍 길 동</a:t>
+                <a:t>황 준 하</a:t>
               </a:r>
               <a:endParaRPr lang="ko-KR" altLang="en-US" sz="1400" b="1" dirty="0"/>
             </a:p>
@@ -6138,9 +6414,213 @@
           </p:txBody>
         </p:sp>
       </p:grpSp>
+      <p:sp>
+        <p:nvSpPr>
+          <p:cNvPr id="20" name="TextBox 19"/>
+          <p:cNvSpPr txBox="1"/>
+          <p:nvPr/>
+        </p:nvSpPr>
+        <p:spPr>
+          <a:xfrm>
+            <a:off x="1845516" y="2041817"/>
+            <a:ext cx="2532271" cy="1315745"/>
+          </a:xfrm>
+          <a:prstGeom prst="rect">
+            <a:avLst/>
+          </a:prstGeom>
+          <a:noFill/>
+        </p:spPr>
+        <p:txBody>
+          <a:bodyPr wrap="square">
+            <a:spAutoFit/>
+          </a:bodyPr>
+          <a:lstStyle/>
+          <a:p>
+            <a:pPr>
+              <a:lnSpc>
+                <a:spcPct val="150000"/>
+              </a:lnSpc>
+              <a:defRPr/>
+            </a:pPr>
+            <a:r>
+              <a:rPr lang="ko-KR" altLang="en-US" sz="1100" b="1" dirty="0">
+                <a:solidFill>
+                  <a:srgbClr val="4B2F70"/>
+                </a:solidFill>
+                <a:ea typeface="맑은 고딕" panose="020B0503020000020004" pitchFamily="50" charset="-127"/>
+              </a:rPr>
+              <a:t>■ </a:t>
+            </a:r>
+            <a:r>
+              <a:rPr lang="ko-KR" altLang="en-US" sz="1100" b="1" dirty="0" smtClean="0">
+                <a:solidFill>
+                  <a:srgbClr val="4B2F70"/>
+                </a:solidFill>
+                <a:ea typeface="맑은 고딕" panose="020B0503020000020004" pitchFamily="50" charset="-127"/>
+              </a:rPr>
+              <a:t>담당</a:t>
+            </a:r>
+            <a:endParaRPr lang="en-US" altLang="ko-KR" sz="1100" dirty="0">
+              <a:solidFill>
+                <a:srgbClr val="4B2F70"/>
+              </a:solidFill>
+              <a:ea typeface="맑은 고딕" panose="020B0503020000020004" pitchFamily="50" charset="-127"/>
+            </a:endParaRPr>
+          </a:p>
+          <a:p>
+            <a:pPr>
+              <a:lnSpc>
+                <a:spcPct val="150000"/>
+              </a:lnSpc>
+              <a:defRPr/>
+            </a:pPr>
+            <a:r>
+              <a:rPr lang="en-US" altLang="ko-KR" sz="1100" dirty="0" smtClean="0">
+                <a:solidFill>
+                  <a:srgbClr val="4B2F70"/>
+                </a:solidFill>
+                <a:ea typeface="맑은 고딕" panose="020B0503020000020004" pitchFamily="50" charset="-127"/>
+              </a:rPr>
+              <a:t>  -</a:t>
+            </a:r>
+            <a:r>
+              <a:rPr lang="ko-KR" altLang="en-US" sz="1100" dirty="0" smtClean="0">
+                <a:solidFill>
+                  <a:srgbClr val="4B2F70"/>
+                </a:solidFill>
+                <a:ea typeface="맑은 고딕" panose="020B0503020000020004" pitchFamily="50" charset="-127"/>
+              </a:rPr>
+              <a:t>팀장</a:t>
+            </a:r>
+            <a:endParaRPr lang="en-US" altLang="ko-KR" sz="1100" b="1" dirty="0">
+              <a:solidFill>
+                <a:srgbClr val="4B2F70"/>
+              </a:solidFill>
+              <a:ea typeface="맑은 고딕" panose="020B0503020000020004" pitchFamily="50" charset="-127"/>
+            </a:endParaRPr>
+          </a:p>
+          <a:p>
+            <a:pPr>
+              <a:lnSpc>
+                <a:spcPct val="150000"/>
+              </a:lnSpc>
+              <a:defRPr/>
+            </a:pPr>
+            <a:r>
+              <a:rPr lang="ko-KR" altLang="en-US" sz="1100" b="1" dirty="0" smtClean="0">
+                <a:solidFill>
+                  <a:srgbClr val="4B2F70"/>
+                </a:solidFill>
+                <a:ea typeface="맑은 고딕" panose="020B0503020000020004" pitchFamily="50" charset="-127"/>
+              </a:rPr>
+              <a:t>■ 수행 역할</a:t>
+            </a:r>
+            <a:endParaRPr lang="en-US" altLang="ko-KR" sz="1100" b="1" dirty="0" smtClean="0">
+              <a:solidFill>
+                <a:srgbClr val="4B2F70"/>
+              </a:solidFill>
+              <a:ea typeface="맑은 고딕" panose="020B0503020000020004" pitchFamily="50" charset="-127"/>
+            </a:endParaRPr>
+          </a:p>
+          <a:p>
+            <a:pPr>
+              <a:lnSpc>
+                <a:spcPct val="150000"/>
+              </a:lnSpc>
+              <a:defRPr/>
+            </a:pPr>
+            <a:r>
+              <a:rPr lang="en-US" altLang="ko-KR" sz="1000" dirty="0" smtClean="0">
+                <a:solidFill>
+                  <a:srgbClr val="4B2F70"/>
+                </a:solidFill>
+                <a:ea typeface="맑은 고딕" panose="020B0503020000020004" pitchFamily="50" charset="-127"/>
+              </a:rPr>
+              <a:t>  - </a:t>
+            </a:r>
+            <a:r>
+              <a:rPr lang="ko-KR" altLang="en-US" sz="1000" dirty="0" smtClean="0">
+                <a:solidFill>
+                  <a:srgbClr val="4B2F70"/>
+                </a:solidFill>
+                <a:ea typeface="맑은 고딕" panose="020B0503020000020004" pitchFamily="50" charset="-127"/>
+              </a:rPr>
+              <a:t>보고서 작성</a:t>
+            </a:r>
+            <a:endParaRPr lang="en-US" altLang="ko-KR" sz="1000" dirty="0" smtClean="0">
+              <a:solidFill>
+                <a:srgbClr val="4B2F70"/>
+              </a:solidFill>
+              <a:ea typeface="맑은 고딕" panose="020B0503020000020004" pitchFamily="50" charset="-127"/>
+            </a:endParaRPr>
+          </a:p>
+          <a:p>
+            <a:pPr>
+              <a:lnSpc>
+                <a:spcPct val="150000"/>
+              </a:lnSpc>
+              <a:defRPr/>
+            </a:pPr>
+            <a:r>
+              <a:rPr lang="en-US" altLang="ko-KR" sz="1000" dirty="0" smtClean="0">
+                <a:solidFill>
+                  <a:srgbClr val="4B2F70"/>
+                </a:solidFill>
+                <a:ea typeface="맑은 고딕" panose="020B0503020000020004" pitchFamily="50" charset="-127"/>
+              </a:rPr>
+              <a:t>  - </a:t>
+            </a:r>
+            <a:r>
+              <a:rPr lang="ko-KR" altLang="en-US" sz="1000" dirty="0" smtClean="0">
+                <a:solidFill>
+                  <a:srgbClr val="4B2F70"/>
+                </a:solidFill>
+                <a:ea typeface="맑은 고딕" panose="020B0503020000020004" pitchFamily="50" charset="-127"/>
+              </a:rPr>
+              <a:t>프로젝트 관리</a:t>
+            </a:r>
+            <a:endParaRPr lang="en-US" altLang="ko-KR" sz="1000" dirty="0" smtClean="0">
+              <a:solidFill>
+                <a:srgbClr val="4B2F70"/>
+              </a:solidFill>
+              <a:ea typeface="맑은 고딕" panose="020B0503020000020004" pitchFamily="50" charset="-127"/>
+            </a:endParaRPr>
+          </a:p>
+        </p:txBody>
+      </p:sp>
+      <p:pic>
+        <p:nvPicPr>
+          <p:cNvPr id="23" name="그림 22"/>
+          <p:cNvPicPr>
+            <a:picLocks noChangeAspect="1"/>
+          </p:cNvPicPr>
+          <p:nvPr/>
+        </p:nvPicPr>
+        <p:blipFill>
+          <a:blip r:embed="rId2" cstate="print">
+            <a:extLst>
+              <a:ext uri="{28A0092B-C50C-407E-A947-70E740481C1C}">
+                <a14:useLocalDpi xmlns:a14="http://schemas.microsoft.com/office/drawing/2010/main" xmlns="" val="0"/>
+              </a:ext>
+            </a:extLst>
+          </a:blip>
+          <a:stretch>
+            <a:fillRect/>
+          </a:stretch>
+        </p:blipFill>
+        <p:spPr>
+          <a:xfrm>
+            <a:off x="7308304" y="188640"/>
+            <a:ext cx="1619672" cy="181918"/>
+          </a:xfrm>
+          <a:prstGeom prst="rect">
+            <a:avLst/>
+          </a:prstGeom>
+        </p:spPr>
+      </p:pic>
       <p:grpSp>
         <p:nvGrpSpPr>
-          <p:cNvPr id="19460" name="그룹 8"/>
+          <p:cNvPr id="29" name="그룹 4"/>
           <p:cNvGrpSpPr>
             <a:grpSpLocks/>
           </p:cNvGrpSpPr>
@@ -6148,15 +6628,15 @@
         </p:nvGrpSpPr>
         <p:grpSpPr bwMode="auto">
           <a:xfrm>
-            <a:off x="4858841" y="1088008"/>
-            <a:ext cx="3421062" cy="2413000"/>
+            <a:off x="4740028" y="1772527"/>
+            <a:ext cx="2643174" cy="1555173"/>
             <a:chOff x="683568" y="908720"/>
             <a:chExt cx="3420000" cy="2412048"/>
           </a:xfrm>
         </p:grpSpPr>
         <p:sp>
           <p:nvSpPr>
-            <p:cNvPr id="10" name="직사각형 9"/>
+            <p:cNvPr id="31" name="직사각형 30"/>
             <p:cNvSpPr/>
             <p:nvPr/>
           </p:nvSpPr>
@@ -6204,19 +6684,11 @@
               </a:r>
               <a:r>
                 <a:rPr lang="en-US" altLang="ko-KR" sz="1400" b="1" dirty="0" smtClean="0"/>
-                <a:t>1</a:t>
-              </a:r>
-              <a:r>
-                <a:rPr lang="ko-KR" altLang="en-US" sz="1400" b="1" dirty="0" smtClean="0"/>
-                <a:t> </a:t>
-              </a:r>
-              <a:r>
-                <a:rPr lang="en-US" altLang="ko-KR" sz="1400" b="1" dirty="0"/>
                 <a:t>:  </a:t>
               </a:r>
               <a:r>
                 <a:rPr lang="ko-KR" altLang="en-US" sz="1400" b="1" dirty="0" smtClean="0"/>
-                <a:t>홍 길 순</a:t>
+                <a:t>장 상 윤</a:t>
               </a:r>
               <a:endParaRPr lang="ko-KR" altLang="en-US" sz="1400" b="1" dirty="0"/>
             </a:p>
@@ -6224,7 +6696,7 @@
         </p:sp>
         <p:sp>
           <p:nvSpPr>
-            <p:cNvPr id="11" name="직사각형 10"/>
+            <p:cNvPr id="32" name="직사각형 31"/>
             <p:cNvSpPr/>
             <p:nvPr/>
           </p:nvSpPr>
@@ -6273,14 +6745,14 @@
       </p:grpSp>
       <p:sp>
         <p:nvSpPr>
-          <p:cNvPr id="20" name="TextBox 19"/>
+          <p:cNvPr id="30" name="TextBox 29"/>
           <p:cNvSpPr txBox="1"/>
           <p:nvPr/>
         </p:nvSpPr>
         <p:spPr>
           <a:xfrm>
-            <a:off x="971600" y="1592287"/>
-            <a:ext cx="3276000" cy="1254189"/>
+            <a:off x="4795670" y="2041817"/>
+            <a:ext cx="2532271" cy="1338828"/>
           </a:xfrm>
           <a:prstGeom prst="rect">
             <a:avLst/>
@@ -6347,7 +6819,7 @@
                 </a:solidFill>
                 <a:ea typeface="맑은 고딕" panose="020B0503020000020004" pitchFamily="50" charset="-127"/>
               </a:rPr>
-              <a:t>팀장</a:t>
+              <a:t>팀원</a:t>
             </a:r>
             <a:endParaRPr lang="en-US" altLang="ko-KR" sz="1100" dirty="0" smtClean="0">
               <a:solidFill>
@@ -6358,9 +6830,12 @@
           </a:p>
           <a:p>
             <a:pPr>
+              <a:lnSpc>
+                <a:spcPct val="150000"/>
+              </a:lnSpc>
               <a:defRPr/>
             </a:pPr>
-            <a:endParaRPr lang="en-US" altLang="ko-KR" sz="1100" b="1" dirty="0">
+            <a:endParaRPr lang="en-US" altLang="ko-KR" sz="1100" dirty="0" smtClean="0">
               <a:solidFill>
                 <a:srgbClr val="4B2F70"/>
               </a:solidFill>
@@ -6404,14 +6879,29 @@
                 </a:solidFill>
                 <a:ea typeface="맑은 고딕" panose="020B0503020000020004" pitchFamily="50" charset="-127"/>
               </a:rPr>
-              <a:t>  -</a:t>
-            </a:r>
+              <a:t>  -R </a:t>
+            </a:r>
+            <a:r>
+              <a:rPr lang="ko-KR" altLang="en-US" sz="1000" dirty="0" smtClean="0">
+                <a:solidFill>
+                  <a:srgbClr val="4B2F70"/>
+                </a:solidFill>
+                <a:ea typeface="맑은 고딕" panose="020B0503020000020004" pitchFamily="50" charset="-127"/>
+              </a:rPr>
+              <a:t>분석 결과 시각화</a:t>
+            </a:r>
+            <a:endParaRPr lang="en-US" altLang="ko-KR" sz="1000" dirty="0" smtClean="0">
+              <a:solidFill>
+                <a:srgbClr val="4B2F70"/>
+              </a:solidFill>
+              <a:ea typeface="맑은 고딕" panose="020B0503020000020004" pitchFamily="50" charset="-127"/>
+            </a:endParaRPr>
           </a:p>
         </p:txBody>
       </p:sp>
       <p:grpSp>
         <p:nvGrpSpPr>
-          <p:cNvPr id="15" name="그룹 4"/>
+          <p:cNvPr id="34" name="그룹 4"/>
           <p:cNvGrpSpPr>
             <a:grpSpLocks/>
           </p:cNvGrpSpPr>
@@ -6419,468 +6909,15 @@
         </p:nvGrpSpPr>
         <p:grpSpPr bwMode="auto">
           <a:xfrm>
-            <a:off x="899592" y="4005064"/>
-            <a:ext cx="3419475" cy="2413000"/>
+            <a:off x="314797" y="4000504"/>
+            <a:ext cx="2643174" cy="1555173"/>
             <a:chOff x="683568" y="908720"/>
             <a:chExt cx="3420000" cy="2412048"/>
           </a:xfrm>
         </p:grpSpPr>
         <p:sp>
           <p:nvSpPr>
-            <p:cNvPr id="16" name="직사각형 15"/>
-            <p:cNvSpPr/>
-            <p:nvPr/>
-          </p:nvSpPr>
-          <p:spPr>
-            <a:xfrm>
-              <a:off x="683568" y="908720"/>
-              <a:ext cx="3420000" cy="360220"/>
-            </a:xfrm>
-            <a:prstGeom prst="rect">
-              <a:avLst/>
-            </a:prstGeom>
-            <a:solidFill>
-              <a:srgbClr val="735798"/>
-            </a:solidFill>
-            <a:ln>
-              <a:noFill/>
-            </a:ln>
-          </p:spPr>
-          <p:style>
-            <a:lnRef idx="2">
-              <a:schemeClr val="accent1">
-                <a:shade val="50000"/>
-              </a:schemeClr>
-            </a:lnRef>
-            <a:fillRef idx="1">
-              <a:schemeClr val="accent1"/>
-            </a:fillRef>
-            <a:effectRef idx="0">
-              <a:schemeClr val="accent1"/>
-            </a:effectRef>
-            <a:fontRef idx="minor">
-              <a:schemeClr val="lt1"/>
-            </a:fontRef>
-          </p:style>
-          <p:txBody>
-            <a:bodyPr anchor="ctr"/>
-            <a:lstStyle/>
-            <a:p>
-              <a:pPr algn="ctr">
-                <a:defRPr/>
-              </a:pPr>
-              <a:r>
-                <a:rPr lang="ko-KR" altLang="en-US" sz="1400" b="1" dirty="0" smtClean="0"/>
-                <a:t>팀원 </a:t>
-              </a:r>
-              <a:r>
-                <a:rPr lang="en-US" altLang="ko-KR" sz="1400" b="1" dirty="0"/>
-                <a:t>2</a:t>
-              </a:r>
-              <a:r>
-                <a:rPr lang="ko-KR" altLang="en-US" sz="1400" b="1" dirty="0" smtClean="0"/>
-                <a:t> </a:t>
-              </a:r>
-              <a:r>
-                <a:rPr lang="en-US" altLang="ko-KR" sz="1400" b="1" dirty="0" smtClean="0"/>
-                <a:t>:  </a:t>
-              </a:r>
-              <a:r>
-                <a:rPr lang="ko-KR" altLang="en-US" sz="1400" b="1" dirty="0" smtClean="0"/>
-                <a:t>홍 길 </a:t>
-              </a:r>
-              <a:r>
-                <a:rPr lang="ko-KR" altLang="en-US" sz="1400" b="1" dirty="0"/>
-                <a:t>자</a:t>
-              </a:r>
-            </a:p>
-          </p:txBody>
-        </p:sp>
-        <p:sp>
-          <p:nvSpPr>
-            <p:cNvPr id="17" name="직사각형 16"/>
-            <p:cNvSpPr/>
-            <p:nvPr/>
-          </p:nvSpPr>
-          <p:spPr>
-            <a:xfrm>
-              <a:off x="683568" y="1340350"/>
-              <a:ext cx="3420000" cy="1980418"/>
-            </a:xfrm>
-            <a:prstGeom prst="rect">
-              <a:avLst/>
-            </a:prstGeom>
-            <a:noFill/>
-            <a:ln w="19050">
-              <a:solidFill>
-                <a:srgbClr val="D6D7DE"/>
-              </a:solidFill>
-            </a:ln>
-          </p:spPr>
-          <p:style>
-            <a:lnRef idx="2">
-              <a:schemeClr val="accent1">
-                <a:shade val="50000"/>
-              </a:schemeClr>
-            </a:lnRef>
-            <a:fillRef idx="1">
-              <a:schemeClr val="accent1"/>
-            </a:fillRef>
-            <a:effectRef idx="0">
-              <a:schemeClr val="accent1"/>
-            </a:effectRef>
-            <a:fontRef idx="minor">
-              <a:schemeClr val="lt1"/>
-            </a:fontRef>
-          </p:style>
-          <p:txBody>
-            <a:bodyPr anchor="ctr"/>
-            <a:lstStyle/>
-            <a:p>
-              <a:pPr algn="ctr">
-                <a:defRPr/>
-              </a:pPr>
-              <a:endParaRPr lang="ko-KR" altLang="en-US"/>
-            </a:p>
-          </p:txBody>
-        </p:sp>
-      </p:grpSp>
-      <p:sp>
-        <p:nvSpPr>
-          <p:cNvPr id="19" name="TextBox 18"/>
-          <p:cNvSpPr txBox="1"/>
-          <p:nvPr/>
-        </p:nvSpPr>
-        <p:spPr>
-          <a:xfrm>
-            <a:off x="971600" y="4509120"/>
-            <a:ext cx="3276000" cy="1254189"/>
-          </a:xfrm>
-          <a:prstGeom prst="rect">
-            <a:avLst/>
-          </a:prstGeom>
-          <a:noFill/>
-        </p:spPr>
-        <p:txBody>
-          <a:bodyPr wrap="square">
-            <a:spAutoFit/>
-          </a:bodyPr>
-          <a:lstStyle/>
-          <a:p>
-            <a:pPr>
-              <a:lnSpc>
-                <a:spcPct val="150000"/>
-              </a:lnSpc>
-              <a:defRPr/>
-            </a:pPr>
-            <a:r>
-              <a:rPr lang="ko-KR" altLang="en-US" sz="1100" b="1" dirty="0">
-                <a:solidFill>
-                  <a:srgbClr val="4B2F70"/>
-                </a:solidFill>
-                <a:ea typeface="맑은 고딕" panose="020B0503020000020004" pitchFamily="50" charset="-127"/>
-              </a:rPr>
-              <a:t>■ </a:t>
-            </a:r>
-            <a:r>
-              <a:rPr lang="ko-KR" altLang="en-US" sz="1100" b="1" dirty="0" smtClean="0">
-                <a:solidFill>
-                  <a:srgbClr val="4B2F70"/>
-                </a:solidFill>
-                <a:ea typeface="맑은 고딕" panose="020B0503020000020004" pitchFamily="50" charset="-127"/>
-              </a:rPr>
-              <a:t>담당</a:t>
-            </a:r>
-            <a:endParaRPr lang="en-US" altLang="ko-KR" sz="1100" dirty="0">
-              <a:solidFill>
-                <a:srgbClr val="4B2F70"/>
-              </a:solidFill>
-              <a:ea typeface="맑은 고딕" panose="020B0503020000020004" pitchFamily="50" charset="-127"/>
-            </a:endParaRPr>
-          </a:p>
-          <a:p>
-            <a:pPr>
-              <a:lnSpc>
-                <a:spcPct val="150000"/>
-              </a:lnSpc>
-              <a:defRPr/>
-            </a:pPr>
-            <a:r>
-              <a:rPr lang="en-US" altLang="ko-KR" sz="1100" dirty="0" smtClean="0">
-                <a:solidFill>
-                  <a:srgbClr val="4B2F70"/>
-                </a:solidFill>
-                <a:ea typeface="맑은 고딕" panose="020B0503020000020004" pitchFamily="50" charset="-127"/>
-              </a:rPr>
-              <a:t>  -</a:t>
-            </a:r>
-            <a:r>
-              <a:rPr lang="ko-KR" altLang="en-US" sz="1100" dirty="0" smtClean="0">
-                <a:solidFill>
-                  <a:srgbClr val="4B2F70"/>
-                </a:solidFill>
-                <a:ea typeface="맑은 고딕" panose="020B0503020000020004" pitchFamily="50" charset="-127"/>
-              </a:rPr>
-              <a:t>팀원</a:t>
-            </a:r>
-            <a:endParaRPr lang="en-US" altLang="ko-KR" sz="1100" dirty="0" smtClean="0">
-              <a:solidFill>
-                <a:srgbClr val="4B2F70"/>
-              </a:solidFill>
-              <a:ea typeface="맑은 고딕" panose="020B0503020000020004" pitchFamily="50" charset="-127"/>
-            </a:endParaRPr>
-          </a:p>
-          <a:p>
-            <a:pPr>
-              <a:defRPr/>
-            </a:pPr>
-            <a:endParaRPr lang="en-US" altLang="ko-KR" sz="1100" b="1" dirty="0">
-              <a:solidFill>
-                <a:srgbClr val="4B2F70"/>
-              </a:solidFill>
-              <a:ea typeface="맑은 고딕" panose="020B0503020000020004" pitchFamily="50" charset="-127"/>
-            </a:endParaRPr>
-          </a:p>
-          <a:p>
-            <a:pPr>
-              <a:lnSpc>
-                <a:spcPct val="150000"/>
-              </a:lnSpc>
-              <a:defRPr/>
-            </a:pPr>
-            <a:r>
-              <a:rPr lang="ko-KR" altLang="en-US" sz="1100" b="1" dirty="0" smtClean="0">
-                <a:solidFill>
-                  <a:srgbClr val="4B2F70"/>
-                </a:solidFill>
-                <a:ea typeface="맑은 고딕" panose="020B0503020000020004" pitchFamily="50" charset="-127"/>
-              </a:rPr>
-              <a:t>■ 수행 역할</a:t>
-            </a:r>
-            <a:endParaRPr lang="en-US" altLang="ko-KR" sz="1100" b="1" dirty="0" smtClean="0">
-              <a:solidFill>
-                <a:srgbClr val="4B2F70"/>
-              </a:solidFill>
-              <a:ea typeface="맑은 고딕" panose="020B0503020000020004" pitchFamily="50" charset="-127"/>
-            </a:endParaRPr>
-          </a:p>
-          <a:p>
-            <a:pPr>
-              <a:lnSpc>
-                <a:spcPct val="150000"/>
-              </a:lnSpc>
-              <a:defRPr/>
-            </a:pPr>
-            <a:r>
-              <a:rPr lang="en-US" altLang="ko-KR" sz="1000" dirty="0" smtClean="0">
-                <a:solidFill>
-                  <a:srgbClr val="4B2F70"/>
-                </a:solidFill>
-                <a:ea typeface="맑은 고딕" panose="020B0503020000020004" pitchFamily="50" charset="-127"/>
-              </a:rPr>
-              <a:t>  -</a:t>
-            </a:r>
-          </a:p>
-        </p:txBody>
-      </p:sp>
-      <p:sp>
-        <p:nvSpPr>
-          <p:cNvPr id="21" name="TextBox 20"/>
-          <p:cNvSpPr txBox="1"/>
-          <p:nvPr/>
-        </p:nvSpPr>
-        <p:spPr>
-          <a:xfrm>
-            <a:off x="4932040" y="1598747"/>
-            <a:ext cx="3276000" cy="1508105"/>
-          </a:xfrm>
-          <a:prstGeom prst="rect">
-            <a:avLst/>
-          </a:prstGeom>
-          <a:noFill/>
-        </p:spPr>
-        <p:txBody>
-          <a:bodyPr wrap="square">
-            <a:spAutoFit/>
-          </a:bodyPr>
-          <a:lstStyle/>
-          <a:p>
-            <a:pPr>
-              <a:lnSpc>
-                <a:spcPct val="150000"/>
-              </a:lnSpc>
-              <a:defRPr/>
-            </a:pPr>
-            <a:r>
-              <a:rPr lang="ko-KR" altLang="en-US" sz="1100" b="1" dirty="0">
-                <a:solidFill>
-                  <a:srgbClr val="4B2F70"/>
-                </a:solidFill>
-                <a:ea typeface="맑은 고딕" panose="020B0503020000020004" pitchFamily="50" charset="-127"/>
-              </a:rPr>
-              <a:t>■ </a:t>
-            </a:r>
-            <a:r>
-              <a:rPr lang="ko-KR" altLang="en-US" sz="1100" b="1" dirty="0" smtClean="0">
-                <a:solidFill>
-                  <a:srgbClr val="4B2F70"/>
-                </a:solidFill>
-                <a:ea typeface="맑은 고딕" panose="020B0503020000020004" pitchFamily="50" charset="-127"/>
-              </a:rPr>
-              <a:t>담당</a:t>
-            </a:r>
-            <a:endParaRPr lang="en-US" altLang="ko-KR" sz="1100" dirty="0">
-              <a:solidFill>
-                <a:srgbClr val="4B2F70"/>
-              </a:solidFill>
-              <a:ea typeface="맑은 고딕" panose="020B0503020000020004" pitchFamily="50" charset="-127"/>
-            </a:endParaRPr>
-          </a:p>
-          <a:p>
-            <a:pPr>
-              <a:lnSpc>
-                <a:spcPct val="150000"/>
-              </a:lnSpc>
-              <a:defRPr/>
-            </a:pPr>
-            <a:r>
-              <a:rPr lang="en-US" altLang="ko-KR" sz="1100" dirty="0" smtClean="0">
-                <a:solidFill>
-                  <a:srgbClr val="4B2F70"/>
-                </a:solidFill>
-                <a:ea typeface="맑은 고딕" panose="020B0503020000020004" pitchFamily="50" charset="-127"/>
-              </a:rPr>
-              <a:t>  -</a:t>
-            </a:r>
-            <a:r>
-              <a:rPr lang="ko-KR" altLang="en-US" sz="1100" dirty="0" smtClean="0">
-                <a:solidFill>
-                  <a:srgbClr val="4B2F70"/>
-                </a:solidFill>
-                <a:ea typeface="맑은 고딕" panose="020B0503020000020004" pitchFamily="50" charset="-127"/>
-              </a:rPr>
-              <a:t>팀원</a:t>
-            </a:r>
-            <a:endParaRPr lang="en-US" altLang="ko-KR" sz="1100" dirty="0" smtClean="0">
-              <a:solidFill>
-                <a:srgbClr val="4B2F70"/>
-              </a:solidFill>
-              <a:ea typeface="맑은 고딕" panose="020B0503020000020004" pitchFamily="50" charset="-127"/>
-            </a:endParaRPr>
-          </a:p>
-          <a:p>
-            <a:pPr>
-              <a:lnSpc>
-                <a:spcPct val="150000"/>
-              </a:lnSpc>
-              <a:defRPr/>
-            </a:pPr>
-            <a:r>
-              <a:rPr lang="en-US" altLang="ko-KR" sz="1100" dirty="0">
-                <a:solidFill>
-                  <a:srgbClr val="4B2F70"/>
-                </a:solidFill>
-                <a:ea typeface="맑은 고딕" panose="020B0503020000020004" pitchFamily="50" charset="-127"/>
-              </a:rPr>
-              <a:t> </a:t>
-            </a:r>
-            <a:r>
-              <a:rPr lang="en-US" altLang="ko-KR" sz="1100" dirty="0" smtClean="0">
-                <a:solidFill>
-                  <a:srgbClr val="4B2F70"/>
-                </a:solidFill>
-                <a:ea typeface="맑은 고딕" panose="020B0503020000020004" pitchFamily="50" charset="-127"/>
-              </a:rPr>
-              <a:t> -</a:t>
-            </a:r>
-            <a:r>
-              <a:rPr lang="ko-KR" altLang="en-US" sz="1100" dirty="0" smtClean="0">
-                <a:solidFill>
-                  <a:srgbClr val="4B2F70"/>
-                </a:solidFill>
-                <a:ea typeface="맑은 고딕" panose="020B0503020000020004" pitchFamily="50" charset="-127"/>
-              </a:rPr>
-              <a:t>발표</a:t>
-            </a:r>
-            <a:endParaRPr lang="en-US" altLang="ko-KR" sz="1100" dirty="0" smtClean="0">
-              <a:solidFill>
-                <a:srgbClr val="4B2F70"/>
-              </a:solidFill>
-              <a:ea typeface="맑은 고딕" panose="020B0503020000020004" pitchFamily="50" charset="-127"/>
-            </a:endParaRPr>
-          </a:p>
-          <a:p>
-            <a:pPr>
-              <a:defRPr/>
-            </a:pPr>
-            <a:endParaRPr lang="en-US" altLang="ko-KR" sz="1100" b="1" dirty="0">
-              <a:solidFill>
-                <a:srgbClr val="4B2F70"/>
-              </a:solidFill>
-              <a:ea typeface="맑은 고딕" panose="020B0503020000020004" pitchFamily="50" charset="-127"/>
-            </a:endParaRPr>
-          </a:p>
-          <a:p>
-            <a:pPr>
-              <a:lnSpc>
-                <a:spcPct val="150000"/>
-              </a:lnSpc>
-              <a:defRPr/>
-            </a:pPr>
-            <a:r>
-              <a:rPr lang="ko-KR" altLang="en-US" sz="1100" b="1" dirty="0" smtClean="0">
-                <a:solidFill>
-                  <a:srgbClr val="4B2F70"/>
-                </a:solidFill>
-                <a:ea typeface="맑은 고딕" panose="020B0503020000020004" pitchFamily="50" charset="-127"/>
-              </a:rPr>
-              <a:t>■ 수행 역할</a:t>
-            </a:r>
-            <a:endParaRPr lang="en-US" altLang="ko-KR" sz="1100" b="1" dirty="0" smtClean="0">
-              <a:solidFill>
-                <a:srgbClr val="4B2F70"/>
-              </a:solidFill>
-              <a:ea typeface="맑은 고딕" panose="020B0503020000020004" pitchFamily="50" charset="-127"/>
-            </a:endParaRPr>
-          </a:p>
-          <a:p>
-            <a:pPr>
-              <a:lnSpc>
-                <a:spcPct val="150000"/>
-              </a:lnSpc>
-              <a:defRPr/>
-            </a:pPr>
-            <a:r>
-              <a:rPr lang="en-US" altLang="ko-KR" sz="1000" dirty="0" smtClean="0">
-                <a:solidFill>
-                  <a:srgbClr val="4B2F70"/>
-                </a:solidFill>
-                <a:ea typeface="맑은 고딕" panose="020B0503020000020004" pitchFamily="50" charset="-127"/>
-              </a:rPr>
-              <a:t>  -</a:t>
-            </a:r>
-          </a:p>
-        </p:txBody>
-      </p:sp>
-      <p:grpSp>
-        <p:nvGrpSpPr>
-          <p:cNvPr id="25" name="그룹 4"/>
-          <p:cNvGrpSpPr>
-            <a:grpSpLocks/>
-          </p:cNvGrpSpPr>
-          <p:nvPr/>
-        </p:nvGrpSpPr>
-        <p:grpSpPr bwMode="auto">
-          <a:xfrm>
-            <a:off x="4860032" y="4005064"/>
-            <a:ext cx="3419475" cy="2413000"/>
-            <a:chOff x="683568" y="908720"/>
-            <a:chExt cx="3420000" cy="2412048"/>
-          </a:xfrm>
-        </p:grpSpPr>
-        <p:sp>
-          <p:nvSpPr>
-            <p:cNvPr id="26" name="직사각형 25"/>
+            <p:cNvPr id="36" name="직사각형 35"/>
             <p:cNvSpPr/>
             <p:nvPr/>
           </p:nvSpPr>
@@ -6928,19 +6965,11 @@
               </a:r>
               <a:r>
                 <a:rPr lang="en-US" altLang="ko-KR" sz="1400" b="1" dirty="0" smtClean="0"/>
-                <a:t>3</a:t>
-              </a:r>
-              <a:r>
-                <a:rPr lang="ko-KR" altLang="en-US" sz="1400" b="1" dirty="0" smtClean="0"/>
-                <a:t> </a:t>
-              </a:r>
-              <a:r>
-                <a:rPr lang="en-US" altLang="ko-KR" sz="1400" b="1" dirty="0" smtClean="0"/>
                 <a:t>:  </a:t>
               </a:r>
               <a:r>
                 <a:rPr lang="ko-KR" altLang="en-US" sz="1400" b="1" dirty="0" smtClean="0"/>
-                <a:t>홍 길 만</a:t>
+                <a:t>정 구 열</a:t>
               </a:r>
               <a:endParaRPr lang="ko-KR" altLang="en-US" sz="1400" b="1" dirty="0"/>
             </a:p>
@@ -6948,7 +6977,7 @@
         </p:sp>
         <p:sp>
           <p:nvSpPr>
-            <p:cNvPr id="27" name="직사각형 26"/>
+            <p:cNvPr id="37" name="직사각형 36"/>
             <p:cNvSpPr/>
             <p:nvPr/>
           </p:nvSpPr>
@@ -6997,14 +7026,14 @@
       </p:grpSp>
       <p:sp>
         <p:nvSpPr>
-          <p:cNvPr id="28" name="TextBox 27"/>
+          <p:cNvPr id="35" name="TextBox 34"/>
           <p:cNvSpPr txBox="1"/>
           <p:nvPr/>
         </p:nvSpPr>
         <p:spPr>
           <a:xfrm>
-            <a:off x="4932040" y="4509120"/>
-            <a:ext cx="3276000" cy="1254189"/>
+            <a:off x="370439" y="4250537"/>
+            <a:ext cx="2532271" cy="1254189"/>
           </a:xfrm>
           <a:prstGeom prst="rect">
             <a:avLst/>
@@ -7082,6 +7111,323 @@
           </a:p>
           <a:p>
             <a:pPr>
+              <a:defRPr/>
+            </a:pPr>
+            <a:r>
+              <a:rPr lang="en-US" altLang="ko-KR" sz="1100" b="1" dirty="0" smtClean="0">
+                <a:solidFill>
+                  <a:srgbClr val="4B2F70"/>
+                </a:solidFill>
+                <a:ea typeface="맑은 고딕" panose="020B0503020000020004" pitchFamily="50" charset="-127"/>
+              </a:rPr>
+              <a:t>  </a:t>
+            </a:r>
+            <a:r>
+              <a:rPr lang="en-US" altLang="ko-KR" sz="1100" dirty="0" smtClean="0">
+                <a:solidFill>
+                  <a:srgbClr val="4B2F70"/>
+                </a:solidFill>
+                <a:ea typeface="맑은 고딕" panose="020B0503020000020004" pitchFamily="50" charset="-127"/>
+              </a:rPr>
+              <a:t>-</a:t>
+            </a:r>
+            <a:r>
+              <a:rPr lang="ko-KR" altLang="en-US" sz="1100" dirty="0" smtClean="0">
+                <a:solidFill>
+                  <a:srgbClr val="4B2F70"/>
+                </a:solidFill>
+                <a:ea typeface="맑은 고딕" panose="020B0503020000020004" pitchFamily="50" charset="-127"/>
+              </a:rPr>
+              <a:t>발표</a:t>
+            </a:r>
+            <a:endParaRPr lang="en-US" altLang="ko-KR" sz="1100" dirty="0">
+              <a:solidFill>
+                <a:srgbClr val="4B2F70"/>
+              </a:solidFill>
+              <a:ea typeface="맑은 고딕" panose="020B0503020000020004" pitchFamily="50" charset="-127"/>
+            </a:endParaRPr>
+          </a:p>
+          <a:p>
+            <a:pPr>
+              <a:lnSpc>
+                <a:spcPct val="150000"/>
+              </a:lnSpc>
+              <a:defRPr/>
+            </a:pPr>
+            <a:r>
+              <a:rPr lang="ko-KR" altLang="en-US" sz="1100" b="1" dirty="0" smtClean="0">
+                <a:solidFill>
+                  <a:srgbClr val="4B2F70"/>
+                </a:solidFill>
+                <a:ea typeface="맑은 고딕" panose="020B0503020000020004" pitchFamily="50" charset="-127"/>
+              </a:rPr>
+              <a:t>■ 수행 역할</a:t>
+            </a:r>
+            <a:endParaRPr lang="en-US" altLang="ko-KR" sz="1100" b="1" dirty="0" smtClean="0">
+              <a:solidFill>
+                <a:srgbClr val="4B2F70"/>
+              </a:solidFill>
+              <a:ea typeface="맑은 고딕" panose="020B0503020000020004" pitchFamily="50" charset="-127"/>
+            </a:endParaRPr>
+          </a:p>
+          <a:p>
+            <a:pPr>
+              <a:lnSpc>
+                <a:spcPct val="150000"/>
+              </a:lnSpc>
+              <a:defRPr/>
+            </a:pPr>
+            <a:r>
+              <a:rPr lang="en-US" altLang="ko-KR" sz="1000" dirty="0" smtClean="0">
+                <a:solidFill>
+                  <a:srgbClr val="4B2F70"/>
+                </a:solidFill>
+                <a:ea typeface="맑은 고딕" panose="020B0503020000020004" pitchFamily="50" charset="-127"/>
+              </a:rPr>
+              <a:t>  -</a:t>
+            </a:r>
+            <a:r>
+              <a:rPr lang="ko-KR" altLang="en-US" sz="1000" dirty="0" err="1" smtClean="0">
+                <a:solidFill>
+                  <a:srgbClr val="4B2F70"/>
+                </a:solidFill>
+                <a:ea typeface="맑은 고딕" panose="020B0503020000020004" pitchFamily="50" charset="-127"/>
+              </a:rPr>
+              <a:t>파이썬</a:t>
+            </a:r>
+            <a:r>
+              <a:rPr lang="ko-KR" altLang="en-US" sz="1000" dirty="0" smtClean="0">
+                <a:solidFill>
+                  <a:srgbClr val="4B2F70"/>
+                </a:solidFill>
+                <a:ea typeface="맑은 고딕" panose="020B0503020000020004" pitchFamily="50" charset="-127"/>
+              </a:rPr>
+              <a:t> 분석</a:t>
+            </a:r>
+            <a:endParaRPr lang="en-US" altLang="ko-KR" sz="1000" dirty="0" smtClean="0">
+              <a:solidFill>
+                <a:srgbClr val="4B2F70"/>
+              </a:solidFill>
+              <a:ea typeface="맑은 고딕" panose="020B0503020000020004" pitchFamily="50" charset="-127"/>
+            </a:endParaRPr>
+          </a:p>
+        </p:txBody>
+      </p:sp>
+      <p:grpSp>
+        <p:nvGrpSpPr>
+          <p:cNvPr id="39" name="그룹 4"/>
+          <p:cNvGrpSpPr>
+            <a:grpSpLocks/>
+          </p:cNvGrpSpPr>
+          <p:nvPr/>
+        </p:nvGrpSpPr>
+        <p:grpSpPr bwMode="auto">
+          <a:xfrm>
+            <a:off x="3264951" y="4000504"/>
+            <a:ext cx="2643174" cy="1555173"/>
+            <a:chOff x="683568" y="908720"/>
+            <a:chExt cx="3420000" cy="2412048"/>
+          </a:xfrm>
+        </p:grpSpPr>
+        <p:sp>
+          <p:nvSpPr>
+            <p:cNvPr id="41" name="직사각형 40"/>
+            <p:cNvSpPr/>
+            <p:nvPr/>
+          </p:nvSpPr>
+          <p:spPr>
+            <a:xfrm>
+              <a:off x="683568" y="908720"/>
+              <a:ext cx="3420000" cy="360220"/>
+            </a:xfrm>
+            <a:prstGeom prst="rect">
+              <a:avLst/>
+            </a:prstGeom>
+            <a:solidFill>
+              <a:srgbClr val="735798"/>
+            </a:solidFill>
+            <a:ln>
+              <a:noFill/>
+            </a:ln>
+          </p:spPr>
+          <p:style>
+            <a:lnRef idx="2">
+              <a:schemeClr val="accent1">
+                <a:shade val="50000"/>
+              </a:schemeClr>
+            </a:lnRef>
+            <a:fillRef idx="1">
+              <a:schemeClr val="accent1"/>
+            </a:fillRef>
+            <a:effectRef idx="0">
+              <a:schemeClr val="accent1"/>
+            </a:effectRef>
+            <a:fontRef idx="minor">
+              <a:schemeClr val="lt1"/>
+            </a:fontRef>
+          </p:style>
+          <p:txBody>
+            <a:bodyPr anchor="ctr"/>
+            <a:lstStyle/>
+            <a:p>
+              <a:pPr algn="ctr">
+                <a:defRPr/>
+              </a:pPr>
+              <a:r>
+                <a:rPr lang="ko-KR" altLang="en-US" sz="1400" b="1" dirty="0" smtClean="0"/>
+                <a:t>팀원 </a:t>
+              </a:r>
+              <a:r>
+                <a:rPr lang="en-US" altLang="ko-KR" sz="1400" b="1" dirty="0" smtClean="0"/>
+                <a:t>:  </a:t>
+              </a:r>
+              <a:r>
+                <a:rPr lang="ko-KR" altLang="en-US" sz="1400" b="1" dirty="0" smtClean="0"/>
+                <a:t>한 태 성</a:t>
+              </a:r>
+              <a:endParaRPr lang="ko-KR" altLang="en-US" sz="1400" b="1" dirty="0"/>
+            </a:p>
+          </p:txBody>
+        </p:sp>
+        <p:sp>
+          <p:nvSpPr>
+            <p:cNvPr id="42" name="직사각형 41"/>
+            <p:cNvSpPr/>
+            <p:nvPr/>
+          </p:nvSpPr>
+          <p:spPr>
+            <a:xfrm>
+              <a:off x="683568" y="1340350"/>
+              <a:ext cx="3420000" cy="1980418"/>
+            </a:xfrm>
+            <a:prstGeom prst="rect">
+              <a:avLst/>
+            </a:prstGeom>
+            <a:noFill/>
+            <a:ln w="19050">
+              <a:solidFill>
+                <a:srgbClr val="D6D7DE"/>
+              </a:solidFill>
+            </a:ln>
+          </p:spPr>
+          <p:style>
+            <a:lnRef idx="2">
+              <a:schemeClr val="accent1">
+                <a:shade val="50000"/>
+              </a:schemeClr>
+            </a:lnRef>
+            <a:fillRef idx="1">
+              <a:schemeClr val="accent1"/>
+            </a:fillRef>
+            <a:effectRef idx="0">
+              <a:schemeClr val="accent1"/>
+            </a:effectRef>
+            <a:fontRef idx="minor">
+              <a:schemeClr val="lt1"/>
+            </a:fontRef>
+          </p:style>
+          <p:txBody>
+            <a:bodyPr anchor="ctr"/>
+            <a:lstStyle/>
+            <a:p>
+              <a:pPr algn="ctr">
+                <a:defRPr/>
+              </a:pPr>
+              <a:endParaRPr lang="ko-KR" altLang="en-US"/>
+            </a:p>
+          </p:txBody>
+        </p:sp>
+      </p:grpSp>
+      <p:sp>
+        <p:nvSpPr>
+          <p:cNvPr id="40" name="TextBox 39"/>
+          <p:cNvSpPr txBox="1"/>
+          <p:nvPr/>
+        </p:nvSpPr>
+        <p:spPr>
+          <a:xfrm>
+            <a:off x="3320593" y="4250537"/>
+            <a:ext cx="2532271" cy="1338828"/>
+          </a:xfrm>
+          <a:prstGeom prst="rect">
+            <a:avLst/>
+          </a:prstGeom>
+          <a:noFill/>
+        </p:spPr>
+        <p:txBody>
+          <a:bodyPr wrap="square">
+            <a:spAutoFit/>
+          </a:bodyPr>
+          <a:lstStyle/>
+          <a:p>
+            <a:pPr>
+              <a:lnSpc>
+                <a:spcPct val="150000"/>
+              </a:lnSpc>
+              <a:defRPr/>
+            </a:pPr>
+            <a:r>
+              <a:rPr lang="ko-KR" altLang="en-US" sz="1100" b="1" dirty="0">
+                <a:solidFill>
+                  <a:srgbClr val="4B2F70"/>
+                </a:solidFill>
+                <a:ea typeface="맑은 고딕" panose="020B0503020000020004" pitchFamily="50" charset="-127"/>
+              </a:rPr>
+              <a:t>■ </a:t>
+            </a:r>
+            <a:r>
+              <a:rPr lang="ko-KR" altLang="en-US" sz="1100" b="1" dirty="0" smtClean="0">
+                <a:solidFill>
+                  <a:srgbClr val="4B2F70"/>
+                </a:solidFill>
+                <a:ea typeface="맑은 고딕" panose="020B0503020000020004" pitchFamily="50" charset="-127"/>
+              </a:rPr>
+              <a:t>담당</a:t>
+            </a:r>
+            <a:endParaRPr lang="en-US" altLang="ko-KR" sz="1100" dirty="0">
+              <a:solidFill>
+                <a:srgbClr val="4B2F70"/>
+              </a:solidFill>
+              <a:ea typeface="맑은 고딕" panose="020B0503020000020004" pitchFamily="50" charset="-127"/>
+            </a:endParaRPr>
+          </a:p>
+          <a:p>
+            <a:pPr>
+              <a:lnSpc>
+                <a:spcPct val="150000"/>
+              </a:lnSpc>
+              <a:defRPr/>
+            </a:pPr>
+            <a:r>
+              <a:rPr lang="en-US" altLang="ko-KR" sz="1100" dirty="0" smtClean="0">
+                <a:solidFill>
+                  <a:srgbClr val="4B2F70"/>
+                </a:solidFill>
+                <a:ea typeface="맑은 고딕" panose="020B0503020000020004" pitchFamily="50" charset="-127"/>
+              </a:rPr>
+              <a:t>  -</a:t>
+            </a:r>
+            <a:r>
+              <a:rPr lang="ko-KR" altLang="en-US" sz="1100" dirty="0" smtClean="0">
+                <a:solidFill>
+                  <a:srgbClr val="4B2F70"/>
+                </a:solidFill>
+                <a:ea typeface="맑은 고딕" panose="020B0503020000020004" pitchFamily="50" charset="-127"/>
+              </a:rPr>
+              <a:t>팀원</a:t>
+            </a:r>
+            <a:endParaRPr lang="en-US" altLang="ko-KR" sz="1100" dirty="0" smtClean="0">
+              <a:solidFill>
+                <a:srgbClr val="4B2F70"/>
+              </a:solidFill>
+              <a:ea typeface="맑은 고딕" panose="020B0503020000020004" pitchFamily="50" charset="-127"/>
+            </a:endParaRPr>
+          </a:p>
+          <a:p>
+            <a:pPr>
+              <a:lnSpc>
+                <a:spcPct val="150000"/>
+              </a:lnSpc>
               <a:defRPr/>
             </a:pPr>
             <a:endParaRPr lang="en-US" altLang="ko-KR" sz="1100" b="1" dirty="0">
@@ -7130,43 +7476,330 @@
               </a:rPr>
               <a:t>  -</a:t>
             </a:r>
-          </a:p>
-        </p:txBody>
-      </p:sp>
-      <p:pic>
-        <p:nvPicPr>
-          <p:cNvPr id="23" name="그림 22"/>
-          <p:cNvPicPr>
-            <a:picLocks noChangeAspect="1"/>
-          </p:cNvPicPr>
+            <a:r>
+              <a:rPr lang="ko-KR" altLang="en-US" sz="1000" dirty="0" err="1" smtClean="0">
+                <a:solidFill>
+                  <a:srgbClr val="4B2F70"/>
+                </a:solidFill>
+                <a:ea typeface="맑은 고딕" panose="020B0503020000020004" pitchFamily="50" charset="-127"/>
+              </a:rPr>
+              <a:t>크롤링</a:t>
+            </a:r>
+            <a:r>
+              <a:rPr lang="en-US" altLang="ko-KR" sz="1000" dirty="0" smtClean="0">
+                <a:solidFill>
+                  <a:srgbClr val="4B2F70"/>
+                </a:solidFill>
+                <a:ea typeface="맑은 고딕" panose="020B0503020000020004" pitchFamily="50" charset="-127"/>
+              </a:rPr>
+              <a:t>, </a:t>
+            </a:r>
+            <a:r>
+              <a:rPr lang="ko-KR" altLang="en-US" sz="1000" dirty="0" smtClean="0">
+                <a:solidFill>
+                  <a:srgbClr val="4B2F70"/>
+                </a:solidFill>
+                <a:ea typeface="맑은 고딕" panose="020B0503020000020004" pitchFamily="50" charset="-127"/>
+              </a:rPr>
+              <a:t>데이터베이스</a:t>
+            </a:r>
+            <a:endParaRPr lang="en-US" altLang="ko-KR" sz="1000" dirty="0" smtClean="0">
+              <a:solidFill>
+                <a:srgbClr val="4B2F70"/>
+              </a:solidFill>
+              <a:ea typeface="맑은 고딕" panose="020B0503020000020004" pitchFamily="50" charset="-127"/>
+            </a:endParaRPr>
+          </a:p>
+        </p:txBody>
+      </p:sp>
+      <p:grpSp>
+        <p:nvGrpSpPr>
+          <p:cNvPr id="44" name="그룹 4"/>
+          <p:cNvGrpSpPr>
+            <a:grpSpLocks/>
+          </p:cNvGrpSpPr>
           <p:nvPr/>
-        </p:nvPicPr>
-        <p:blipFill>
-          <a:blip r:embed="rId2" cstate="print">
-            <a:extLst>
-              <a:ext uri="{28A0092B-C50C-407E-A947-70E740481C1C}">
-                <a14:useLocalDpi xmlns="" xmlns:a14="http://schemas.microsoft.com/office/drawing/2010/main" val="0"/>
-              </a:ext>
-            </a:extLst>
-          </a:blip>
-          <a:stretch>
-            <a:fillRect/>
-          </a:stretch>
-        </p:blipFill>
+        </p:nvGrpSpPr>
+        <p:grpSpPr bwMode="auto">
+          <a:xfrm>
+            <a:off x="6215106" y="4000504"/>
+            <a:ext cx="2643174" cy="1555173"/>
+            <a:chOff x="683568" y="908720"/>
+            <a:chExt cx="3420000" cy="2412048"/>
+          </a:xfrm>
+        </p:grpSpPr>
+        <p:sp>
+          <p:nvSpPr>
+            <p:cNvPr id="46" name="직사각형 45"/>
+            <p:cNvSpPr/>
+            <p:nvPr/>
+          </p:nvSpPr>
+          <p:spPr>
+            <a:xfrm>
+              <a:off x="683568" y="908720"/>
+              <a:ext cx="3420000" cy="360220"/>
+            </a:xfrm>
+            <a:prstGeom prst="rect">
+              <a:avLst/>
+            </a:prstGeom>
+            <a:solidFill>
+              <a:srgbClr val="735798"/>
+            </a:solidFill>
+            <a:ln>
+              <a:noFill/>
+            </a:ln>
+          </p:spPr>
+          <p:style>
+            <a:lnRef idx="2">
+              <a:schemeClr val="accent1">
+                <a:shade val="50000"/>
+              </a:schemeClr>
+            </a:lnRef>
+            <a:fillRef idx="1">
+              <a:schemeClr val="accent1"/>
+            </a:fillRef>
+            <a:effectRef idx="0">
+              <a:schemeClr val="accent1"/>
+            </a:effectRef>
+            <a:fontRef idx="minor">
+              <a:schemeClr val="lt1"/>
+            </a:fontRef>
+          </p:style>
+          <p:txBody>
+            <a:bodyPr anchor="ctr"/>
+            <a:lstStyle/>
+            <a:p>
+              <a:pPr algn="ctr">
+                <a:defRPr/>
+              </a:pPr>
+              <a:r>
+                <a:rPr lang="ko-KR" altLang="en-US" sz="1400" b="1" dirty="0" smtClean="0"/>
+                <a:t>팀원 </a:t>
+              </a:r>
+              <a:r>
+                <a:rPr lang="en-US" altLang="ko-KR" sz="1400" b="1" dirty="0" smtClean="0"/>
+                <a:t>:  </a:t>
+              </a:r>
+              <a:r>
+                <a:rPr lang="ko-KR" altLang="en-US" sz="1400" b="1" dirty="0" smtClean="0"/>
+                <a:t>홍 재 연</a:t>
+              </a:r>
+              <a:endParaRPr lang="ko-KR" altLang="en-US" sz="1400" b="1" dirty="0"/>
+            </a:p>
+          </p:txBody>
+        </p:sp>
+        <p:sp>
+          <p:nvSpPr>
+            <p:cNvPr id="47" name="직사각형 46"/>
+            <p:cNvSpPr/>
+            <p:nvPr/>
+          </p:nvSpPr>
+          <p:spPr>
+            <a:xfrm>
+              <a:off x="683568" y="1340350"/>
+              <a:ext cx="3420000" cy="1980418"/>
+            </a:xfrm>
+            <a:prstGeom prst="rect">
+              <a:avLst/>
+            </a:prstGeom>
+            <a:noFill/>
+            <a:ln w="19050">
+              <a:solidFill>
+                <a:srgbClr val="D6D7DE"/>
+              </a:solidFill>
+            </a:ln>
+          </p:spPr>
+          <p:style>
+            <a:lnRef idx="2">
+              <a:schemeClr val="accent1">
+                <a:shade val="50000"/>
+              </a:schemeClr>
+            </a:lnRef>
+            <a:fillRef idx="1">
+              <a:schemeClr val="accent1"/>
+            </a:fillRef>
+            <a:effectRef idx="0">
+              <a:schemeClr val="accent1"/>
+            </a:effectRef>
+            <a:fontRef idx="minor">
+              <a:schemeClr val="lt1"/>
+            </a:fontRef>
+          </p:style>
+          <p:txBody>
+            <a:bodyPr anchor="ctr"/>
+            <a:lstStyle/>
+            <a:p>
+              <a:pPr algn="ctr">
+                <a:defRPr/>
+              </a:pPr>
+              <a:endParaRPr lang="ko-KR" altLang="en-US"/>
+            </a:p>
+          </p:txBody>
+        </p:sp>
+      </p:grpSp>
+      <p:sp>
+        <p:nvSpPr>
+          <p:cNvPr id="45" name="TextBox 44"/>
+          <p:cNvSpPr txBox="1"/>
+          <p:nvPr/>
+        </p:nvSpPr>
         <p:spPr>
           <a:xfrm>
-            <a:off x="7308304" y="188640"/>
-            <a:ext cx="1619672" cy="181918"/>
+            <a:off x="6270748" y="4250537"/>
+            <a:ext cx="2532271" cy="1361911"/>
           </a:xfrm>
           <a:prstGeom prst="rect">
             <a:avLst/>
           </a:prstGeom>
+          <a:noFill/>
         </p:spPr>
-      </p:pic>
+        <p:txBody>
+          <a:bodyPr wrap="square">
+            <a:spAutoFit/>
+          </a:bodyPr>
+          <a:lstStyle/>
+          <a:p>
+            <a:pPr>
+              <a:lnSpc>
+                <a:spcPct val="150000"/>
+              </a:lnSpc>
+              <a:defRPr/>
+            </a:pPr>
+            <a:r>
+              <a:rPr lang="ko-KR" altLang="en-US" sz="1100" b="1" dirty="0">
+                <a:solidFill>
+                  <a:srgbClr val="4B2F70"/>
+                </a:solidFill>
+                <a:ea typeface="맑은 고딕" panose="020B0503020000020004" pitchFamily="50" charset="-127"/>
+              </a:rPr>
+              <a:t>■ </a:t>
+            </a:r>
+            <a:r>
+              <a:rPr lang="ko-KR" altLang="en-US" sz="1100" b="1" dirty="0" smtClean="0">
+                <a:solidFill>
+                  <a:srgbClr val="4B2F70"/>
+                </a:solidFill>
+                <a:ea typeface="맑은 고딕" panose="020B0503020000020004" pitchFamily="50" charset="-127"/>
+              </a:rPr>
+              <a:t>담당</a:t>
+            </a:r>
+            <a:endParaRPr lang="en-US" altLang="ko-KR" sz="1100" dirty="0">
+              <a:solidFill>
+                <a:srgbClr val="4B2F70"/>
+              </a:solidFill>
+              <a:ea typeface="맑은 고딕" panose="020B0503020000020004" pitchFamily="50" charset="-127"/>
+            </a:endParaRPr>
+          </a:p>
+          <a:p>
+            <a:pPr>
+              <a:lnSpc>
+                <a:spcPct val="150000"/>
+              </a:lnSpc>
+              <a:defRPr/>
+            </a:pPr>
+            <a:r>
+              <a:rPr lang="en-US" altLang="ko-KR" sz="1100" dirty="0" smtClean="0">
+                <a:solidFill>
+                  <a:srgbClr val="4B2F70"/>
+                </a:solidFill>
+                <a:ea typeface="맑은 고딕" panose="020B0503020000020004" pitchFamily="50" charset="-127"/>
+              </a:rPr>
+              <a:t>  -</a:t>
+            </a:r>
+            <a:r>
+              <a:rPr lang="ko-KR" altLang="en-US" sz="1100" dirty="0" smtClean="0">
+                <a:solidFill>
+                  <a:srgbClr val="4B2F70"/>
+                </a:solidFill>
+                <a:ea typeface="맑은 고딕" panose="020B0503020000020004" pitchFamily="50" charset="-127"/>
+              </a:rPr>
+              <a:t>팀원</a:t>
+            </a:r>
+            <a:endParaRPr lang="en-US" altLang="ko-KR" sz="1100" dirty="0" smtClean="0">
+              <a:solidFill>
+                <a:srgbClr val="4B2F70"/>
+              </a:solidFill>
+              <a:ea typeface="맑은 고딕" panose="020B0503020000020004" pitchFamily="50" charset="-127"/>
+            </a:endParaRPr>
+          </a:p>
+          <a:p>
+            <a:pPr>
+              <a:lnSpc>
+                <a:spcPct val="150000"/>
+              </a:lnSpc>
+              <a:defRPr/>
+            </a:pPr>
+            <a:endParaRPr lang="en-US" altLang="ko-KR" sz="1100" b="1" dirty="0">
+              <a:solidFill>
+                <a:srgbClr val="4B2F70"/>
+              </a:solidFill>
+              <a:ea typeface="맑은 고딕" panose="020B0503020000020004" pitchFamily="50" charset="-127"/>
+            </a:endParaRPr>
+          </a:p>
+          <a:p>
+            <a:pPr>
+              <a:lnSpc>
+                <a:spcPct val="150000"/>
+              </a:lnSpc>
+              <a:defRPr/>
+            </a:pPr>
+            <a:r>
+              <a:rPr lang="ko-KR" altLang="en-US" sz="1100" b="1" dirty="0" smtClean="0">
+                <a:solidFill>
+                  <a:srgbClr val="4B2F70"/>
+                </a:solidFill>
+                <a:ea typeface="맑은 고딕" panose="020B0503020000020004" pitchFamily="50" charset="-127"/>
+              </a:rPr>
+              <a:t>■ 수행 역할</a:t>
+            </a:r>
+            <a:endParaRPr lang="en-US" altLang="ko-KR" sz="1100" b="1" dirty="0" smtClean="0">
+              <a:solidFill>
+                <a:srgbClr val="4B2F70"/>
+              </a:solidFill>
+              <a:ea typeface="맑은 고딕" panose="020B0503020000020004" pitchFamily="50" charset="-127"/>
+            </a:endParaRPr>
+          </a:p>
+          <a:p>
+            <a:pPr>
+              <a:lnSpc>
+                <a:spcPct val="150000"/>
+              </a:lnSpc>
+              <a:defRPr/>
+            </a:pPr>
+            <a:r>
+              <a:rPr lang="en-US" altLang="ko-KR" sz="1000" dirty="0" smtClean="0">
+                <a:solidFill>
+                  <a:srgbClr val="4B2F70"/>
+                </a:solidFill>
+                <a:ea typeface="맑은 고딕" panose="020B0503020000020004" pitchFamily="50" charset="-127"/>
+              </a:rPr>
+              <a:t>  </a:t>
+            </a:r>
+            <a:r>
+              <a:rPr lang="en-US" altLang="ko-KR" sz="1100" dirty="0" smtClean="0">
+                <a:solidFill>
+                  <a:srgbClr val="4B2F70"/>
+                </a:solidFill>
+                <a:ea typeface="맑은 고딕" panose="020B0503020000020004" pitchFamily="50" charset="-127"/>
+              </a:rPr>
+              <a:t>-</a:t>
+            </a:r>
+            <a:r>
+              <a:rPr lang="ko-KR" altLang="en-US" sz="1000" dirty="0" smtClean="0">
+                <a:solidFill>
+                  <a:srgbClr val="4B2F70"/>
+                </a:solidFill>
+                <a:ea typeface="맑은 고딕" panose="020B0503020000020004" pitchFamily="50" charset="-127"/>
+              </a:rPr>
+              <a:t>종속 변수 선정</a:t>
+            </a:r>
+          </a:p>
+        </p:txBody>
+      </p:sp>
     </p:spTree>
     <p:extLst>
       <p:ext uri="{BB962C8B-B14F-4D97-AF65-F5344CB8AC3E}">
-        <p14:creationId xmlns="" xmlns:p14="http://schemas.microsoft.com/office/powerpoint/2010/main" val="2422148939"/>
+        <p14:creationId xmlns:p14="http://schemas.microsoft.com/office/powerpoint/2010/main" xmlns="" val="2422148939"/>
       </p:ext>
     </p:extLst>
   </p:cSld>
@@ -7209,7 +7842,7 @@
           <p:nvPr>
             <p:extLst>
               <p:ext uri="{D42A27DB-BD31-4B8C-83A1-F6EECF244321}">
-                <p14:modId xmlns="" xmlns:p14="http://schemas.microsoft.com/office/powerpoint/2010/main" val="2205284460"/>
+                <p14:modId xmlns:p14="http://schemas.microsoft.com/office/powerpoint/2010/main" xmlns="" val="2205284460"/>
               </p:ext>
             </p:extLst>
           </p:nvPr>
@@ -7228,28 +7861,28 @@
                 <a:gridCol w="2318386">
                   <a:extLst>
                     <a:ext uri="{9D8B030D-6E8A-4147-A177-3AD203B41FA5}">
-                      <a16:colId xmlns="" xmlns:a16="http://schemas.microsoft.com/office/drawing/2014/main" val="20000"/>
+                      <a16:colId xmlns:a16="http://schemas.microsoft.com/office/drawing/2014/main" xmlns="" val="20000"/>
                     </a:ext>
                   </a:extLst>
                 </a:gridCol>
                 <a:gridCol w="1872000">
                   <a:extLst>
                     <a:ext uri="{9D8B030D-6E8A-4147-A177-3AD203B41FA5}">
-                      <a16:colId xmlns="" xmlns:a16="http://schemas.microsoft.com/office/drawing/2014/main" val="20001"/>
+                      <a16:colId xmlns:a16="http://schemas.microsoft.com/office/drawing/2014/main" xmlns="" val="20001"/>
                     </a:ext>
                   </a:extLst>
                 </a:gridCol>
                 <a:gridCol w="1872000">
                   <a:extLst>
                     <a:ext uri="{9D8B030D-6E8A-4147-A177-3AD203B41FA5}">
-                      <a16:colId xmlns="" xmlns:a16="http://schemas.microsoft.com/office/drawing/2014/main" val="20003"/>
+                      <a16:colId xmlns:a16="http://schemas.microsoft.com/office/drawing/2014/main" xmlns="" val="20003"/>
                     </a:ext>
                   </a:extLst>
                 </a:gridCol>
                 <a:gridCol w="1872000">
                   <a:extLst>
                     <a:ext uri="{9D8B030D-6E8A-4147-A177-3AD203B41FA5}">
-                      <a16:colId xmlns="" xmlns:a16="http://schemas.microsoft.com/office/drawing/2014/main" val="20009"/>
+                      <a16:colId xmlns:a16="http://schemas.microsoft.com/office/drawing/2014/main" xmlns="" val="20009"/>
                     </a:ext>
                   </a:extLst>
                 </a:gridCol>
@@ -7704,7 +8337,7 @@
                 </a:tc>
                 <a:extLst>
                   <a:ext uri="{0D108BD9-81ED-4DB2-BD59-A6C34878D82A}">
-                    <a16:rowId xmlns="" xmlns:a16="http://schemas.microsoft.com/office/drawing/2014/main" val="10001"/>
+                    <a16:rowId xmlns:a16="http://schemas.microsoft.com/office/drawing/2014/main" xmlns="" val="10001"/>
                   </a:ext>
                 </a:extLst>
               </a:tr>
@@ -7773,11 +8406,7 @@
                     <a:lstStyle/>
                     <a:p>
                       <a:pPr latinLnBrk="1"/>
-                      <a:endParaRPr lang="ko-KR" altLang="en-US" sz="1600" dirty="0">
-                        <a:solidFill>
-                          <a:schemeClr val="tx1"/>
-                        </a:solidFill>
-                      </a:endParaRPr>
+                      <a:endParaRPr lang="ko-KR" altLang="en-US" dirty="0"/>
                     </a:p>
                   </a:txBody>
                   <a:tcPr>
@@ -7857,7 +8486,7 @@
                 </a:tc>
                 <a:extLst>
                   <a:ext uri="{0D108BD9-81ED-4DB2-BD59-A6C34878D82A}">
-                    <a16:rowId xmlns="" xmlns:a16="http://schemas.microsoft.com/office/drawing/2014/main" val="10002"/>
+                    <a16:rowId xmlns:a16="http://schemas.microsoft.com/office/drawing/2014/main" xmlns="" val="10002"/>
                   </a:ext>
                 </a:extLst>
               </a:tr>
@@ -8866,7 +9495,7 @@
           <a:blip r:embed="rId2" cstate="print">
             <a:extLst>
               <a:ext uri="{28A0092B-C50C-407E-A947-70E740481C1C}">
-                <a14:useLocalDpi xmlns="" xmlns:a14="http://schemas.microsoft.com/office/drawing/2010/main" val="0"/>
+                <a14:useLocalDpi xmlns:a14="http://schemas.microsoft.com/office/drawing/2010/main" xmlns="" val="0"/>
               </a:ext>
             </a:extLst>
           </a:blip>
@@ -8884,10 +9513,1822 @@
           </a:prstGeom>
         </p:spPr>
       </p:pic>
+      <p:sp>
+        <p:nvSpPr>
+          <p:cNvPr id="25" name="직사각형 24"/>
+          <p:cNvSpPr/>
+          <p:nvPr/>
+        </p:nvSpPr>
+        <p:spPr>
+          <a:xfrm>
+            <a:off x="2928926" y="2000240"/>
+            <a:ext cx="900000" cy="108000"/>
+          </a:xfrm>
+          <a:prstGeom prst="rect">
+            <a:avLst/>
+          </a:prstGeom>
+          <a:solidFill>
+            <a:schemeClr val="bg2">
+              <a:lumMod val="75000"/>
+            </a:schemeClr>
+          </a:solidFill>
+          <a:ln>
+            <a:solidFill>
+              <a:schemeClr val="bg2"/>
+            </a:solidFill>
+          </a:ln>
+        </p:spPr>
+        <p:style>
+          <a:lnRef idx="2">
+            <a:schemeClr val="accent1">
+              <a:shade val="50000"/>
+            </a:schemeClr>
+          </a:lnRef>
+          <a:fillRef idx="1">
+            <a:schemeClr val="accent1"/>
+          </a:fillRef>
+          <a:effectRef idx="0">
+            <a:schemeClr val="accent1"/>
+          </a:effectRef>
+          <a:fontRef idx="minor">
+            <a:schemeClr val="lt1"/>
+          </a:fontRef>
+        </p:style>
+        <p:txBody>
+          <a:bodyPr rot="0" spcFirstLastPara="0" vertOverflow="overflow" horzOverflow="overflow" vert="horz" wrap="square" lIns="91440" tIns="45720" rIns="91440" bIns="45720" numCol="1" spcCol="0" rtlCol="0" fromWordArt="0" anchor="ctr" anchorCtr="0" forceAA="0" compatLnSpc="1">
+            <a:prstTxWarp prst="textNoShape">
+              <a:avLst/>
+            </a:prstTxWarp>
+            <a:noAutofit/>
+          </a:bodyPr>
+          <a:lstStyle/>
+          <a:p>
+            <a:pPr algn="ctr" fontAlgn="auto">
+              <a:spcBef>
+                <a:spcPts val="0"/>
+              </a:spcBef>
+              <a:spcAft>
+                <a:spcPts val="0"/>
+              </a:spcAft>
+            </a:pPr>
+            <a:endParaRPr kumimoji="0" lang="ko-KR" altLang="en-US" sz="1200" b="1" dirty="0" smtClean="0">
+              <a:solidFill>
+                <a:srgbClr val="EBEBF0"/>
+              </a:solidFill>
+            </a:endParaRPr>
+          </a:p>
+        </p:txBody>
+      </p:sp>
+      <p:sp>
+        <p:nvSpPr>
+          <p:cNvPr id="34" name="직사각형 33"/>
+          <p:cNvSpPr/>
+          <p:nvPr/>
+        </p:nvSpPr>
+        <p:spPr>
+          <a:xfrm>
+            <a:off x="3857620" y="2000240"/>
+            <a:ext cx="900000" cy="108000"/>
+          </a:xfrm>
+          <a:prstGeom prst="rect">
+            <a:avLst/>
+          </a:prstGeom>
+          <a:solidFill>
+            <a:srgbClr val="A47160"/>
+          </a:solidFill>
+          <a:ln>
+            <a:solidFill>
+              <a:schemeClr val="bg2"/>
+            </a:solidFill>
+          </a:ln>
+        </p:spPr>
+        <p:style>
+          <a:lnRef idx="2">
+            <a:schemeClr val="accent1">
+              <a:shade val="50000"/>
+            </a:schemeClr>
+          </a:lnRef>
+          <a:fillRef idx="1">
+            <a:schemeClr val="accent1"/>
+          </a:fillRef>
+          <a:effectRef idx="0">
+            <a:schemeClr val="accent1"/>
+          </a:effectRef>
+          <a:fontRef idx="minor">
+            <a:schemeClr val="lt1"/>
+          </a:fontRef>
+        </p:style>
+        <p:txBody>
+          <a:bodyPr rot="0" spcFirstLastPara="0" vertOverflow="overflow" horzOverflow="overflow" vert="horz" wrap="square" lIns="91440" tIns="45720" rIns="91440" bIns="45720" numCol="1" spcCol="0" rtlCol="0" fromWordArt="0" anchor="ctr" anchorCtr="0" forceAA="0" compatLnSpc="1">
+            <a:prstTxWarp prst="textNoShape">
+              <a:avLst/>
+            </a:prstTxWarp>
+            <a:noAutofit/>
+          </a:bodyPr>
+          <a:lstStyle/>
+          <a:p>
+            <a:pPr algn="ctr" fontAlgn="auto">
+              <a:spcBef>
+                <a:spcPts val="0"/>
+              </a:spcBef>
+              <a:spcAft>
+                <a:spcPts val="0"/>
+              </a:spcAft>
+            </a:pPr>
+            <a:endParaRPr kumimoji="0" lang="ko-KR" altLang="en-US" sz="1200" b="1" dirty="0" smtClean="0">
+              <a:solidFill>
+                <a:srgbClr val="EBEBF0"/>
+              </a:solidFill>
+            </a:endParaRPr>
+          </a:p>
+        </p:txBody>
+      </p:sp>
+      <p:sp>
+        <p:nvSpPr>
+          <p:cNvPr id="35" name="직사각형 34"/>
+          <p:cNvSpPr/>
+          <p:nvPr/>
+        </p:nvSpPr>
+        <p:spPr>
+          <a:xfrm>
+            <a:off x="2928926" y="2320868"/>
+            <a:ext cx="900000" cy="108000"/>
+          </a:xfrm>
+          <a:prstGeom prst="rect">
+            <a:avLst/>
+          </a:prstGeom>
+          <a:solidFill>
+            <a:schemeClr val="bg2">
+              <a:lumMod val="75000"/>
+            </a:schemeClr>
+          </a:solidFill>
+          <a:ln>
+            <a:solidFill>
+              <a:schemeClr val="bg2"/>
+            </a:solidFill>
+          </a:ln>
+        </p:spPr>
+        <p:style>
+          <a:lnRef idx="2">
+            <a:schemeClr val="accent1">
+              <a:shade val="50000"/>
+            </a:schemeClr>
+          </a:lnRef>
+          <a:fillRef idx="1">
+            <a:schemeClr val="accent1"/>
+          </a:fillRef>
+          <a:effectRef idx="0">
+            <a:schemeClr val="accent1"/>
+          </a:effectRef>
+          <a:fontRef idx="minor">
+            <a:schemeClr val="lt1"/>
+          </a:fontRef>
+        </p:style>
+        <p:txBody>
+          <a:bodyPr rot="0" spcFirstLastPara="0" vertOverflow="overflow" horzOverflow="overflow" vert="horz" wrap="square" lIns="91440" tIns="45720" rIns="91440" bIns="45720" numCol="1" spcCol="0" rtlCol="0" fromWordArt="0" anchor="ctr" anchorCtr="0" forceAA="0" compatLnSpc="1">
+            <a:prstTxWarp prst="textNoShape">
+              <a:avLst/>
+            </a:prstTxWarp>
+            <a:noAutofit/>
+          </a:bodyPr>
+          <a:lstStyle/>
+          <a:p>
+            <a:pPr algn="ctr" fontAlgn="auto">
+              <a:spcBef>
+                <a:spcPts val="0"/>
+              </a:spcBef>
+              <a:spcAft>
+                <a:spcPts val="0"/>
+              </a:spcAft>
+            </a:pPr>
+            <a:endParaRPr kumimoji="0" lang="ko-KR" altLang="en-US" sz="1200" b="1" dirty="0" smtClean="0">
+              <a:solidFill>
+                <a:srgbClr val="EBEBF0"/>
+              </a:solidFill>
+            </a:endParaRPr>
+          </a:p>
+        </p:txBody>
+      </p:sp>
+      <p:sp>
+        <p:nvSpPr>
+          <p:cNvPr id="36" name="직사각형 35"/>
+          <p:cNvSpPr/>
+          <p:nvPr/>
+        </p:nvSpPr>
+        <p:spPr>
+          <a:xfrm>
+            <a:off x="3857620" y="2320868"/>
+            <a:ext cx="900000" cy="108000"/>
+          </a:xfrm>
+          <a:prstGeom prst="rect">
+            <a:avLst/>
+          </a:prstGeom>
+          <a:solidFill>
+            <a:srgbClr val="A47160"/>
+          </a:solidFill>
+          <a:ln>
+            <a:solidFill>
+              <a:schemeClr val="bg2"/>
+            </a:solidFill>
+          </a:ln>
+        </p:spPr>
+        <p:style>
+          <a:lnRef idx="2">
+            <a:schemeClr val="accent1">
+              <a:shade val="50000"/>
+            </a:schemeClr>
+          </a:lnRef>
+          <a:fillRef idx="1">
+            <a:schemeClr val="accent1"/>
+          </a:fillRef>
+          <a:effectRef idx="0">
+            <a:schemeClr val="accent1"/>
+          </a:effectRef>
+          <a:fontRef idx="minor">
+            <a:schemeClr val="lt1"/>
+          </a:fontRef>
+        </p:style>
+        <p:txBody>
+          <a:bodyPr rot="0" spcFirstLastPara="0" vertOverflow="overflow" horzOverflow="overflow" vert="horz" wrap="square" lIns="91440" tIns="45720" rIns="91440" bIns="45720" numCol="1" spcCol="0" rtlCol="0" fromWordArt="0" anchor="ctr" anchorCtr="0" forceAA="0" compatLnSpc="1">
+            <a:prstTxWarp prst="textNoShape">
+              <a:avLst/>
+            </a:prstTxWarp>
+            <a:noAutofit/>
+          </a:bodyPr>
+          <a:lstStyle/>
+          <a:p>
+            <a:pPr algn="ctr" fontAlgn="auto">
+              <a:spcBef>
+                <a:spcPts val="0"/>
+              </a:spcBef>
+              <a:spcAft>
+                <a:spcPts val="0"/>
+              </a:spcAft>
+            </a:pPr>
+            <a:endParaRPr kumimoji="0" lang="ko-KR" altLang="en-US" sz="1200" b="1" dirty="0" smtClean="0">
+              <a:solidFill>
+                <a:srgbClr val="EBEBF0"/>
+              </a:solidFill>
+            </a:endParaRPr>
+          </a:p>
+        </p:txBody>
+      </p:sp>
+      <p:sp>
+        <p:nvSpPr>
+          <p:cNvPr id="37" name="직사각형 36"/>
+          <p:cNvSpPr/>
+          <p:nvPr/>
+        </p:nvSpPr>
+        <p:spPr>
+          <a:xfrm>
+            <a:off x="2928926" y="2643182"/>
+            <a:ext cx="900000" cy="108000"/>
+          </a:xfrm>
+          <a:prstGeom prst="rect">
+            <a:avLst/>
+          </a:prstGeom>
+          <a:solidFill>
+            <a:schemeClr val="bg2">
+              <a:lumMod val="75000"/>
+            </a:schemeClr>
+          </a:solidFill>
+          <a:ln>
+            <a:solidFill>
+              <a:schemeClr val="bg2"/>
+            </a:solidFill>
+          </a:ln>
+        </p:spPr>
+        <p:style>
+          <a:lnRef idx="2">
+            <a:schemeClr val="accent1">
+              <a:shade val="50000"/>
+            </a:schemeClr>
+          </a:lnRef>
+          <a:fillRef idx="1">
+            <a:schemeClr val="accent1"/>
+          </a:fillRef>
+          <a:effectRef idx="0">
+            <a:schemeClr val="accent1"/>
+          </a:effectRef>
+          <a:fontRef idx="minor">
+            <a:schemeClr val="lt1"/>
+          </a:fontRef>
+        </p:style>
+        <p:txBody>
+          <a:bodyPr rot="0" spcFirstLastPara="0" vertOverflow="overflow" horzOverflow="overflow" vert="horz" wrap="square" lIns="91440" tIns="45720" rIns="91440" bIns="45720" numCol="1" spcCol="0" rtlCol="0" fromWordArt="0" anchor="ctr" anchorCtr="0" forceAA="0" compatLnSpc="1">
+            <a:prstTxWarp prst="textNoShape">
+              <a:avLst/>
+            </a:prstTxWarp>
+            <a:noAutofit/>
+          </a:bodyPr>
+          <a:lstStyle/>
+          <a:p>
+            <a:pPr algn="ctr" fontAlgn="auto">
+              <a:spcBef>
+                <a:spcPts val="0"/>
+              </a:spcBef>
+              <a:spcAft>
+                <a:spcPts val="0"/>
+              </a:spcAft>
+            </a:pPr>
+            <a:endParaRPr kumimoji="0" lang="ko-KR" altLang="en-US" sz="1200" b="1" dirty="0" smtClean="0">
+              <a:solidFill>
+                <a:srgbClr val="EBEBF0"/>
+              </a:solidFill>
+            </a:endParaRPr>
+          </a:p>
+        </p:txBody>
+      </p:sp>
+      <p:sp>
+        <p:nvSpPr>
+          <p:cNvPr id="38" name="직사각형 37"/>
+          <p:cNvSpPr/>
+          <p:nvPr/>
+        </p:nvSpPr>
+        <p:spPr>
+          <a:xfrm>
+            <a:off x="3857620" y="2643182"/>
+            <a:ext cx="900000" cy="108000"/>
+          </a:xfrm>
+          <a:prstGeom prst="rect">
+            <a:avLst/>
+          </a:prstGeom>
+          <a:solidFill>
+            <a:srgbClr val="A47160"/>
+          </a:solidFill>
+          <a:ln>
+            <a:solidFill>
+              <a:schemeClr val="bg2"/>
+            </a:solidFill>
+          </a:ln>
+        </p:spPr>
+        <p:style>
+          <a:lnRef idx="2">
+            <a:schemeClr val="accent1">
+              <a:shade val="50000"/>
+            </a:schemeClr>
+          </a:lnRef>
+          <a:fillRef idx="1">
+            <a:schemeClr val="accent1"/>
+          </a:fillRef>
+          <a:effectRef idx="0">
+            <a:schemeClr val="accent1"/>
+          </a:effectRef>
+          <a:fontRef idx="minor">
+            <a:schemeClr val="lt1"/>
+          </a:fontRef>
+        </p:style>
+        <p:txBody>
+          <a:bodyPr rot="0" spcFirstLastPara="0" vertOverflow="overflow" horzOverflow="overflow" vert="horz" wrap="square" lIns="91440" tIns="45720" rIns="91440" bIns="45720" numCol="1" spcCol="0" rtlCol="0" fromWordArt="0" anchor="ctr" anchorCtr="0" forceAA="0" compatLnSpc="1">
+            <a:prstTxWarp prst="textNoShape">
+              <a:avLst/>
+            </a:prstTxWarp>
+            <a:noAutofit/>
+          </a:bodyPr>
+          <a:lstStyle/>
+          <a:p>
+            <a:pPr algn="ctr" fontAlgn="auto">
+              <a:spcBef>
+                <a:spcPts val="0"/>
+              </a:spcBef>
+              <a:spcAft>
+                <a:spcPts val="0"/>
+              </a:spcAft>
+            </a:pPr>
+            <a:endParaRPr kumimoji="0" lang="ko-KR" altLang="en-US" sz="1200" b="1" dirty="0" smtClean="0">
+              <a:solidFill>
+                <a:srgbClr val="EBEBF0"/>
+              </a:solidFill>
+            </a:endParaRPr>
+          </a:p>
+        </p:txBody>
+      </p:sp>
+      <p:sp>
+        <p:nvSpPr>
+          <p:cNvPr id="39" name="직사각형 38"/>
+          <p:cNvSpPr/>
+          <p:nvPr/>
+        </p:nvSpPr>
+        <p:spPr>
+          <a:xfrm>
+            <a:off x="2928926" y="3357562"/>
+            <a:ext cx="900000" cy="108000"/>
+          </a:xfrm>
+          <a:prstGeom prst="rect">
+            <a:avLst/>
+          </a:prstGeom>
+          <a:solidFill>
+            <a:schemeClr val="bg2">
+              <a:lumMod val="75000"/>
+            </a:schemeClr>
+          </a:solidFill>
+          <a:ln>
+            <a:solidFill>
+              <a:schemeClr val="bg2"/>
+            </a:solidFill>
+          </a:ln>
+        </p:spPr>
+        <p:style>
+          <a:lnRef idx="2">
+            <a:schemeClr val="accent1">
+              <a:shade val="50000"/>
+            </a:schemeClr>
+          </a:lnRef>
+          <a:fillRef idx="1">
+            <a:schemeClr val="accent1"/>
+          </a:fillRef>
+          <a:effectRef idx="0">
+            <a:schemeClr val="accent1"/>
+          </a:effectRef>
+          <a:fontRef idx="minor">
+            <a:schemeClr val="lt1"/>
+          </a:fontRef>
+        </p:style>
+        <p:txBody>
+          <a:bodyPr rot="0" spcFirstLastPara="0" vertOverflow="overflow" horzOverflow="overflow" vert="horz" wrap="square" lIns="91440" tIns="45720" rIns="91440" bIns="45720" numCol="1" spcCol="0" rtlCol="0" fromWordArt="0" anchor="ctr" anchorCtr="0" forceAA="0" compatLnSpc="1">
+            <a:prstTxWarp prst="textNoShape">
+              <a:avLst/>
+            </a:prstTxWarp>
+            <a:noAutofit/>
+          </a:bodyPr>
+          <a:lstStyle/>
+          <a:p>
+            <a:pPr algn="ctr" fontAlgn="auto">
+              <a:spcBef>
+                <a:spcPts val="0"/>
+              </a:spcBef>
+              <a:spcAft>
+                <a:spcPts val="0"/>
+              </a:spcAft>
+            </a:pPr>
+            <a:endParaRPr kumimoji="0" lang="ko-KR" altLang="en-US" sz="1200" b="1" dirty="0" smtClean="0">
+              <a:solidFill>
+                <a:srgbClr val="EBEBF0"/>
+              </a:solidFill>
+            </a:endParaRPr>
+          </a:p>
+        </p:txBody>
+      </p:sp>
+      <p:sp>
+        <p:nvSpPr>
+          <p:cNvPr id="40" name="직사각형 39"/>
+          <p:cNvSpPr/>
+          <p:nvPr/>
+        </p:nvSpPr>
+        <p:spPr>
+          <a:xfrm>
+            <a:off x="3857620" y="3357562"/>
+            <a:ext cx="900000" cy="108000"/>
+          </a:xfrm>
+          <a:prstGeom prst="rect">
+            <a:avLst/>
+          </a:prstGeom>
+          <a:solidFill>
+            <a:srgbClr val="A47160"/>
+          </a:solidFill>
+          <a:ln>
+            <a:solidFill>
+              <a:schemeClr val="bg2"/>
+            </a:solidFill>
+          </a:ln>
+        </p:spPr>
+        <p:style>
+          <a:lnRef idx="2">
+            <a:schemeClr val="accent1">
+              <a:shade val="50000"/>
+            </a:schemeClr>
+          </a:lnRef>
+          <a:fillRef idx="1">
+            <a:schemeClr val="accent1"/>
+          </a:fillRef>
+          <a:effectRef idx="0">
+            <a:schemeClr val="accent1"/>
+          </a:effectRef>
+          <a:fontRef idx="minor">
+            <a:schemeClr val="lt1"/>
+          </a:fontRef>
+        </p:style>
+        <p:txBody>
+          <a:bodyPr rot="0" spcFirstLastPara="0" vertOverflow="overflow" horzOverflow="overflow" vert="horz" wrap="square" lIns="91440" tIns="45720" rIns="91440" bIns="45720" numCol="1" spcCol="0" rtlCol="0" fromWordArt="0" anchor="ctr" anchorCtr="0" forceAA="0" compatLnSpc="1">
+            <a:prstTxWarp prst="textNoShape">
+              <a:avLst/>
+            </a:prstTxWarp>
+            <a:noAutofit/>
+          </a:bodyPr>
+          <a:lstStyle/>
+          <a:p>
+            <a:pPr algn="ctr" fontAlgn="auto">
+              <a:spcBef>
+                <a:spcPts val="0"/>
+              </a:spcBef>
+              <a:spcAft>
+                <a:spcPts val="0"/>
+              </a:spcAft>
+            </a:pPr>
+            <a:endParaRPr kumimoji="0" lang="ko-KR" altLang="en-US" sz="1200" b="1" dirty="0" smtClean="0">
+              <a:solidFill>
+                <a:srgbClr val="EBEBF0"/>
+              </a:solidFill>
+            </a:endParaRPr>
+          </a:p>
+        </p:txBody>
+      </p:sp>
+      <p:sp>
+        <p:nvSpPr>
+          <p:cNvPr id="42" name="직사각형 41"/>
+          <p:cNvSpPr/>
+          <p:nvPr/>
+        </p:nvSpPr>
+        <p:spPr>
+          <a:xfrm>
+            <a:off x="4786314" y="3714752"/>
+            <a:ext cx="900000" cy="108000"/>
+          </a:xfrm>
+          <a:prstGeom prst="rect">
+            <a:avLst/>
+          </a:prstGeom>
+          <a:solidFill>
+            <a:schemeClr val="bg2">
+              <a:lumMod val="75000"/>
+            </a:schemeClr>
+          </a:solidFill>
+          <a:ln>
+            <a:solidFill>
+              <a:schemeClr val="bg2"/>
+            </a:solidFill>
+          </a:ln>
+        </p:spPr>
+        <p:style>
+          <a:lnRef idx="2">
+            <a:schemeClr val="accent1">
+              <a:shade val="50000"/>
+            </a:schemeClr>
+          </a:lnRef>
+          <a:fillRef idx="1">
+            <a:schemeClr val="accent1"/>
+          </a:fillRef>
+          <a:effectRef idx="0">
+            <a:schemeClr val="accent1"/>
+          </a:effectRef>
+          <a:fontRef idx="minor">
+            <a:schemeClr val="lt1"/>
+          </a:fontRef>
+        </p:style>
+        <p:txBody>
+          <a:bodyPr rot="0" spcFirstLastPara="0" vertOverflow="overflow" horzOverflow="overflow" vert="horz" wrap="square" lIns="91440" tIns="45720" rIns="91440" bIns="45720" numCol="1" spcCol="0" rtlCol="0" fromWordArt="0" anchor="ctr" anchorCtr="0" forceAA="0" compatLnSpc="1">
+            <a:prstTxWarp prst="textNoShape">
+              <a:avLst/>
+            </a:prstTxWarp>
+            <a:noAutofit/>
+          </a:bodyPr>
+          <a:lstStyle/>
+          <a:p>
+            <a:pPr algn="ctr" fontAlgn="auto">
+              <a:spcBef>
+                <a:spcPts val="0"/>
+              </a:spcBef>
+              <a:spcAft>
+                <a:spcPts val="0"/>
+              </a:spcAft>
+            </a:pPr>
+            <a:endParaRPr kumimoji="0" lang="ko-KR" altLang="en-US" sz="1200" b="1" dirty="0" smtClean="0">
+              <a:solidFill>
+                <a:srgbClr val="EBEBF0"/>
+              </a:solidFill>
+            </a:endParaRPr>
+          </a:p>
+        </p:txBody>
+      </p:sp>
+      <p:sp>
+        <p:nvSpPr>
+          <p:cNvPr id="43" name="직사각형 42"/>
+          <p:cNvSpPr/>
+          <p:nvPr/>
+        </p:nvSpPr>
+        <p:spPr>
+          <a:xfrm>
+            <a:off x="4786314" y="4071942"/>
+            <a:ext cx="900000" cy="108000"/>
+          </a:xfrm>
+          <a:prstGeom prst="rect">
+            <a:avLst/>
+          </a:prstGeom>
+          <a:solidFill>
+            <a:schemeClr val="bg2">
+              <a:lumMod val="75000"/>
+            </a:schemeClr>
+          </a:solidFill>
+          <a:ln>
+            <a:solidFill>
+              <a:schemeClr val="bg2"/>
+            </a:solidFill>
+          </a:ln>
+        </p:spPr>
+        <p:style>
+          <a:lnRef idx="2">
+            <a:schemeClr val="accent1">
+              <a:shade val="50000"/>
+            </a:schemeClr>
+          </a:lnRef>
+          <a:fillRef idx="1">
+            <a:schemeClr val="accent1"/>
+          </a:fillRef>
+          <a:effectRef idx="0">
+            <a:schemeClr val="accent1"/>
+          </a:effectRef>
+          <a:fontRef idx="minor">
+            <a:schemeClr val="lt1"/>
+          </a:fontRef>
+        </p:style>
+        <p:txBody>
+          <a:bodyPr rot="0" spcFirstLastPara="0" vertOverflow="overflow" horzOverflow="overflow" vert="horz" wrap="square" lIns="91440" tIns="45720" rIns="91440" bIns="45720" numCol="1" spcCol="0" rtlCol="0" fromWordArt="0" anchor="ctr" anchorCtr="0" forceAA="0" compatLnSpc="1">
+            <a:prstTxWarp prst="textNoShape">
+              <a:avLst/>
+            </a:prstTxWarp>
+            <a:noAutofit/>
+          </a:bodyPr>
+          <a:lstStyle/>
+          <a:p>
+            <a:pPr algn="ctr" fontAlgn="auto">
+              <a:spcBef>
+                <a:spcPts val="0"/>
+              </a:spcBef>
+              <a:spcAft>
+                <a:spcPts val="0"/>
+              </a:spcAft>
+            </a:pPr>
+            <a:endParaRPr kumimoji="0" lang="ko-KR" altLang="en-US" sz="1200" b="1" dirty="0" smtClean="0">
+              <a:solidFill>
+                <a:srgbClr val="EBEBF0"/>
+              </a:solidFill>
+            </a:endParaRPr>
+          </a:p>
+        </p:txBody>
+      </p:sp>
+      <p:sp>
+        <p:nvSpPr>
+          <p:cNvPr id="44" name="직사각형 43"/>
+          <p:cNvSpPr/>
+          <p:nvPr/>
+        </p:nvSpPr>
+        <p:spPr>
+          <a:xfrm>
+            <a:off x="4786314" y="4429132"/>
+            <a:ext cx="900000" cy="108000"/>
+          </a:xfrm>
+          <a:prstGeom prst="rect">
+            <a:avLst/>
+          </a:prstGeom>
+          <a:solidFill>
+            <a:schemeClr val="bg2">
+              <a:lumMod val="75000"/>
+            </a:schemeClr>
+          </a:solidFill>
+          <a:ln>
+            <a:solidFill>
+              <a:schemeClr val="bg2"/>
+            </a:solidFill>
+          </a:ln>
+        </p:spPr>
+        <p:style>
+          <a:lnRef idx="2">
+            <a:schemeClr val="accent1">
+              <a:shade val="50000"/>
+            </a:schemeClr>
+          </a:lnRef>
+          <a:fillRef idx="1">
+            <a:schemeClr val="accent1"/>
+          </a:fillRef>
+          <a:effectRef idx="0">
+            <a:schemeClr val="accent1"/>
+          </a:effectRef>
+          <a:fontRef idx="minor">
+            <a:schemeClr val="lt1"/>
+          </a:fontRef>
+        </p:style>
+        <p:txBody>
+          <a:bodyPr rot="0" spcFirstLastPara="0" vertOverflow="overflow" horzOverflow="overflow" vert="horz" wrap="square" lIns="91440" tIns="45720" rIns="91440" bIns="45720" numCol="1" spcCol="0" rtlCol="0" fromWordArt="0" anchor="ctr" anchorCtr="0" forceAA="0" compatLnSpc="1">
+            <a:prstTxWarp prst="textNoShape">
+              <a:avLst/>
+            </a:prstTxWarp>
+            <a:noAutofit/>
+          </a:bodyPr>
+          <a:lstStyle/>
+          <a:p>
+            <a:pPr algn="ctr" fontAlgn="auto">
+              <a:spcBef>
+                <a:spcPts val="0"/>
+              </a:spcBef>
+              <a:spcAft>
+                <a:spcPts val="0"/>
+              </a:spcAft>
+            </a:pPr>
+            <a:endParaRPr kumimoji="0" lang="ko-KR" altLang="en-US" sz="1200" b="1" dirty="0" smtClean="0">
+              <a:solidFill>
+                <a:srgbClr val="EBEBF0"/>
+              </a:solidFill>
+            </a:endParaRPr>
+          </a:p>
+        </p:txBody>
+      </p:sp>
+      <p:sp>
+        <p:nvSpPr>
+          <p:cNvPr id="50" name="직사각형 49"/>
+          <p:cNvSpPr/>
+          <p:nvPr/>
+        </p:nvSpPr>
+        <p:spPr>
+          <a:xfrm>
+            <a:off x="6672396" y="5857892"/>
+            <a:ext cx="900000" cy="108000"/>
+          </a:xfrm>
+          <a:prstGeom prst="rect">
+            <a:avLst/>
+          </a:prstGeom>
+          <a:solidFill>
+            <a:srgbClr val="C00000"/>
+          </a:solidFill>
+          <a:ln>
+            <a:solidFill>
+              <a:schemeClr val="bg2"/>
+            </a:solidFill>
+          </a:ln>
+        </p:spPr>
+        <p:style>
+          <a:lnRef idx="2">
+            <a:schemeClr val="accent1">
+              <a:shade val="50000"/>
+            </a:schemeClr>
+          </a:lnRef>
+          <a:fillRef idx="1">
+            <a:schemeClr val="accent1"/>
+          </a:fillRef>
+          <a:effectRef idx="0">
+            <a:schemeClr val="accent1"/>
+          </a:effectRef>
+          <a:fontRef idx="minor">
+            <a:schemeClr val="lt1"/>
+          </a:fontRef>
+        </p:style>
+        <p:txBody>
+          <a:bodyPr rot="0" spcFirstLastPara="0" vertOverflow="overflow" horzOverflow="overflow" vert="horz" wrap="square" lIns="91440" tIns="45720" rIns="91440" bIns="45720" numCol="1" spcCol="0" rtlCol="0" fromWordArt="0" anchor="ctr" anchorCtr="0" forceAA="0" compatLnSpc="1">
+            <a:prstTxWarp prst="textNoShape">
+              <a:avLst/>
+            </a:prstTxWarp>
+            <a:noAutofit/>
+          </a:bodyPr>
+          <a:lstStyle/>
+          <a:p>
+            <a:pPr algn="ctr" fontAlgn="auto">
+              <a:spcBef>
+                <a:spcPts val="0"/>
+              </a:spcBef>
+              <a:spcAft>
+                <a:spcPts val="0"/>
+              </a:spcAft>
+            </a:pPr>
+            <a:endParaRPr kumimoji="0" lang="ko-KR" altLang="en-US" sz="1200" b="1" dirty="0" smtClean="0">
+              <a:solidFill>
+                <a:srgbClr val="EBEBF0"/>
+              </a:solidFill>
+            </a:endParaRPr>
+          </a:p>
+        </p:txBody>
+      </p:sp>
+      <p:sp>
+        <p:nvSpPr>
+          <p:cNvPr id="51" name="직사각형 50"/>
+          <p:cNvSpPr/>
+          <p:nvPr/>
+        </p:nvSpPr>
+        <p:spPr>
+          <a:xfrm>
+            <a:off x="7601090" y="5857892"/>
+            <a:ext cx="900000" cy="108000"/>
+          </a:xfrm>
+          <a:prstGeom prst="rect">
+            <a:avLst/>
+          </a:prstGeom>
+          <a:solidFill>
+            <a:srgbClr val="A47160"/>
+          </a:solidFill>
+          <a:ln>
+            <a:solidFill>
+              <a:schemeClr val="bg2"/>
+            </a:solidFill>
+          </a:ln>
+        </p:spPr>
+        <p:style>
+          <a:lnRef idx="2">
+            <a:schemeClr val="accent1">
+              <a:shade val="50000"/>
+            </a:schemeClr>
+          </a:lnRef>
+          <a:fillRef idx="1">
+            <a:schemeClr val="accent1"/>
+          </a:fillRef>
+          <a:effectRef idx="0">
+            <a:schemeClr val="accent1"/>
+          </a:effectRef>
+          <a:fontRef idx="minor">
+            <a:schemeClr val="lt1"/>
+          </a:fontRef>
+        </p:style>
+        <p:txBody>
+          <a:bodyPr rot="0" spcFirstLastPara="0" vertOverflow="overflow" horzOverflow="overflow" vert="horz" wrap="square" lIns="91440" tIns="45720" rIns="91440" bIns="45720" numCol="1" spcCol="0" rtlCol="0" fromWordArt="0" anchor="ctr" anchorCtr="0" forceAA="0" compatLnSpc="1">
+            <a:prstTxWarp prst="textNoShape">
+              <a:avLst/>
+            </a:prstTxWarp>
+            <a:noAutofit/>
+          </a:bodyPr>
+          <a:lstStyle/>
+          <a:p>
+            <a:pPr algn="ctr" fontAlgn="auto">
+              <a:spcBef>
+                <a:spcPts val="0"/>
+              </a:spcBef>
+              <a:spcAft>
+                <a:spcPts val="0"/>
+              </a:spcAft>
+            </a:pPr>
+            <a:endParaRPr kumimoji="0" lang="ko-KR" altLang="en-US" sz="1200" b="1" dirty="0" smtClean="0">
+              <a:solidFill>
+                <a:srgbClr val="EBEBF0"/>
+              </a:solidFill>
+            </a:endParaRPr>
+          </a:p>
+        </p:txBody>
+      </p:sp>
+      <p:sp>
+        <p:nvSpPr>
+          <p:cNvPr id="55" name="직사각형 54"/>
+          <p:cNvSpPr/>
+          <p:nvPr/>
+        </p:nvSpPr>
+        <p:spPr>
+          <a:xfrm>
+            <a:off x="6672396" y="5535578"/>
+            <a:ext cx="900000" cy="108000"/>
+          </a:xfrm>
+          <a:prstGeom prst="rect">
+            <a:avLst/>
+          </a:prstGeom>
+          <a:solidFill>
+            <a:srgbClr val="C00000"/>
+          </a:solidFill>
+          <a:ln>
+            <a:solidFill>
+              <a:schemeClr val="bg2"/>
+            </a:solidFill>
+          </a:ln>
+        </p:spPr>
+        <p:style>
+          <a:lnRef idx="2">
+            <a:schemeClr val="accent1">
+              <a:shade val="50000"/>
+            </a:schemeClr>
+          </a:lnRef>
+          <a:fillRef idx="1">
+            <a:schemeClr val="accent1"/>
+          </a:fillRef>
+          <a:effectRef idx="0">
+            <a:schemeClr val="accent1"/>
+          </a:effectRef>
+          <a:fontRef idx="minor">
+            <a:schemeClr val="lt1"/>
+          </a:fontRef>
+        </p:style>
+        <p:txBody>
+          <a:bodyPr rot="0" spcFirstLastPara="0" vertOverflow="overflow" horzOverflow="overflow" vert="horz" wrap="square" lIns="91440" tIns="45720" rIns="91440" bIns="45720" numCol="1" spcCol="0" rtlCol="0" fromWordArt="0" anchor="ctr" anchorCtr="0" forceAA="0" compatLnSpc="1">
+            <a:prstTxWarp prst="textNoShape">
+              <a:avLst/>
+            </a:prstTxWarp>
+            <a:noAutofit/>
+          </a:bodyPr>
+          <a:lstStyle/>
+          <a:p>
+            <a:pPr algn="ctr" fontAlgn="auto">
+              <a:spcBef>
+                <a:spcPts val="0"/>
+              </a:spcBef>
+              <a:spcAft>
+                <a:spcPts val="0"/>
+              </a:spcAft>
+            </a:pPr>
+            <a:endParaRPr kumimoji="0" lang="ko-KR" altLang="en-US" sz="1200" b="1" dirty="0" smtClean="0">
+              <a:solidFill>
+                <a:srgbClr val="EBEBF0"/>
+              </a:solidFill>
+            </a:endParaRPr>
+          </a:p>
+        </p:txBody>
+      </p:sp>
+      <p:sp>
+        <p:nvSpPr>
+          <p:cNvPr id="58" name="직사각형 57"/>
+          <p:cNvSpPr/>
+          <p:nvPr/>
+        </p:nvSpPr>
+        <p:spPr>
+          <a:xfrm>
+            <a:off x="7601090" y="5535578"/>
+            <a:ext cx="900000" cy="108000"/>
+          </a:xfrm>
+          <a:prstGeom prst="rect">
+            <a:avLst/>
+          </a:prstGeom>
+          <a:solidFill>
+            <a:srgbClr val="A47160"/>
+          </a:solidFill>
+          <a:ln>
+            <a:solidFill>
+              <a:schemeClr val="bg2"/>
+            </a:solidFill>
+          </a:ln>
+        </p:spPr>
+        <p:style>
+          <a:lnRef idx="2">
+            <a:schemeClr val="accent1">
+              <a:shade val="50000"/>
+            </a:schemeClr>
+          </a:lnRef>
+          <a:fillRef idx="1">
+            <a:schemeClr val="accent1"/>
+          </a:fillRef>
+          <a:effectRef idx="0">
+            <a:schemeClr val="accent1"/>
+          </a:effectRef>
+          <a:fontRef idx="minor">
+            <a:schemeClr val="lt1"/>
+          </a:fontRef>
+        </p:style>
+        <p:txBody>
+          <a:bodyPr rot="0" spcFirstLastPara="0" vertOverflow="overflow" horzOverflow="overflow" vert="horz" wrap="square" lIns="91440" tIns="45720" rIns="91440" bIns="45720" numCol="1" spcCol="0" rtlCol="0" fromWordArt="0" anchor="ctr" anchorCtr="0" forceAA="0" compatLnSpc="1">
+            <a:prstTxWarp prst="textNoShape">
+              <a:avLst/>
+            </a:prstTxWarp>
+            <a:noAutofit/>
+          </a:bodyPr>
+          <a:lstStyle/>
+          <a:p>
+            <a:pPr algn="ctr" fontAlgn="auto">
+              <a:spcBef>
+                <a:spcPts val="0"/>
+              </a:spcBef>
+              <a:spcAft>
+                <a:spcPts val="0"/>
+              </a:spcAft>
+            </a:pPr>
+            <a:endParaRPr kumimoji="0" lang="ko-KR" altLang="en-US" sz="1200" b="1" dirty="0" smtClean="0">
+              <a:solidFill>
+                <a:srgbClr val="EBEBF0"/>
+              </a:solidFill>
+            </a:endParaRPr>
+          </a:p>
+        </p:txBody>
+      </p:sp>
+      <p:sp>
+        <p:nvSpPr>
+          <p:cNvPr id="59" name="직사각형 58"/>
+          <p:cNvSpPr/>
+          <p:nvPr/>
+        </p:nvSpPr>
+        <p:spPr>
+          <a:xfrm>
+            <a:off x="6672396" y="5214950"/>
+            <a:ext cx="900000" cy="108000"/>
+          </a:xfrm>
+          <a:prstGeom prst="rect">
+            <a:avLst/>
+          </a:prstGeom>
+          <a:solidFill>
+            <a:srgbClr val="C00000"/>
+          </a:solidFill>
+          <a:ln>
+            <a:solidFill>
+              <a:schemeClr val="bg2"/>
+            </a:solidFill>
+          </a:ln>
+        </p:spPr>
+        <p:style>
+          <a:lnRef idx="2">
+            <a:schemeClr val="accent1">
+              <a:shade val="50000"/>
+            </a:schemeClr>
+          </a:lnRef>
+          <a:fillRef idx="1">
+            <a:schemeClr val="accent1"/>
+          </a:fillRef>
+          <a:effectRef idx="0">
+            <a:schemeClr val="accent1"/>
+          </a:effectRef>
+          <a:fontRef idx="minor">
+            <a:schemeClr val="lt1"/>
+          </a:fontRef>
+        </p:style>
+        <p:txBody>
+          <a:bodyPr rot="0" spcFirstLastPara="0" vertOverflow="overflow" horzOverflow="overflow" vert="horz" wrap="square" lIns="91440" tIns="45720" rIns="91440" bIns="45720" numCol="1" spcCol="0" rtlCol="0" fromWordArt="0" anchor="ctr" anchorCtr="0" forceAA="0" compatLnSpc="1">
+            <a:prstTxWarp prst="textNoShape">
+              <a:avLst/>
+            </a:prstTxWarp>
+            <a:noAutofit/>
+          </a:bodyPr>
+          <a:lstStyle/>
+          <a:p>
+            <a:pPr algn="ctr" fontAlgn="auto">
+              <a:spcBef>
+                <a:spcPts val="0"/>
+              </a:spcBef>
+              <a:spcAft>
+                <a:spcPts val="0"/>
+              </a:spcAft>
+            </a:pPr>
+            <a:endParaRPr kumimoji="0" lang="ko-KR" altLang="en-US" sz="1200" b="1" dirty="0" smtClean="0">
+              <a:solidFill>
+                <a:srgbClr val="EBEBF0"/>
+              </a:solidFill>
+            </a:endParaRPr>
+          </a:p>
+        </p:txBody>
+      </p:sp>
+      <p:sp>
+        <p:nvSpPr>
+          <p:cNvPr id="60" name="직사각형 59"/>
+          <p:cNvSpPr/>
+          <p:nvPr/>
+        </p:nvSpPr>
+        <p:spPr>
+          <a:xfrm>
+            <a:off x="7601090" y="5214950"/>
+            <a:ext cx="900000" cy="108000"/>
+          </a:xfrm>
+          <a:prstGeom prst="rect">
+            <a:avLst/>
+          </a:prstGeom>
+          <a:solidFill>
+            <a:srgbClr val="A47160"/>
+          </a:solidFill>
+          <a:ln>
+            <a:solidFill>
+              <a:schemeClr val="bg2"/>
+            </a:solidFill>
+          </a:ln>
+        </p:spPr>
+        <p:style>
+          <a:lnRef idx="2">
+            <a:schemeClr val="accent1">
+              <a:shade val="50000"/>
+            </a:schemeClr>
+          </a:lnRef>
+          <a:fillRef idx="1">
+            <a:schemeClr val="accent1"/>
+          </a:fillRef>
+          <a:effectRef idx="0">
+            <a:schemeClr val="accent1"/>
+          </a:effectRef>
+          <a:fontRef idx="minor">
+            <a:schemeClr val="lt1"/>
+          </a:fontRef>
+        </p:style>
+        <p:txBody>
+          <a:bodyPr rot="0" spcFirstLastPara="0" vertOverflow="overflow" horzOverflow="overflow" vert="horz" wrap="square" lIns="91440" tIns="45720" rIns="91440" bIns="45720" numCol="1" spcCol="0" rtlCol="0" fromWordArt="0" anchor="ctr" anchorCtr="0" forceAA="0" compatLnSpc="1">
+            <a:prstTxWarp prst="textNoShape">
+              <a:avLst/>
+            </a:prstTxWarp>
+            <a:noAutofit/>
+          </a:bodyPr>
+          <a:lstStyle/>
+          <a:p>
+            <a:pPr algn="ctr" fontAlgn="auto">
+              <a:spcBef>
+                <a:spcPts val="0"/>
+              </a:spcBef>
+              <a:spcAft>
+                <a:spcPts val="0"/>
+              </a:spcAft>
+            </a:pPr>
+            <a:endParaRPr kumimoji="0" lang="ko-KR" altLang="en-US" sz="1200" b="1" dirty="0" smtClean="0">
+              <a:solidFill>
+                <a:srgbClr val="EBEBF0"/>
+              </a:solidFill>
+            </a:endParaRPr>
+          </a:p>
+        </p:txBody>
+      </p:sp>
+      <p:sp>
+        <p:nvSpPr>
+          <p:cNvPr id="61" name="직사각형 60"/>
+          <p:cNvSpPr/>
+          <p:nvPr/>
+        </p:nvSpPr>
+        <p:spPr>
+          <a:xfrm>
+            <a:off x="4786314" y="2643182"/>
+            <a:ext cx="900000" cy="108000"/>
+          </a:xfrm>
+          <a:prstGeom prst="rect">
+            <a:avLst/>
+          </a:prstGeom>
+          <a:solidFill>
+            <a:srgbClr val="A47160"/>
+          </a:solidFill>
+          <a:ln>
+            <a:solidFill>
+              <a:schemeClr val="bg2"/>
+            </a:solidFill>
+          </a:ln>
+        </p:spPr>
+        <p:style>
+          <a:lnRef idx="2">
+            <a:schemeClr val="accent1">
+              <a:shade val="50000"/>
+            </a:schemeClr>
+          </a:lnRef>
+          <a:fillRef idx="1">
+            <a:schemeClr val="accent1"/>
+          </a:fillRef>
+          <a:effectRef idx="0">
+            <a:schemeClr val="accent1"/>
+          </a:effectRef>
+          <a:fontRef idx="minor">
+            <a:schemeClr val="lt1"/>
+          </a:fontRef>
+        </p:style>
+        <p:txBody>
+          <a:bodyPr rot="0" spcFirstLastPara="0" vertOverflow="overflow" horzOverflow="overflow" vert="horz" wrap="square" lIns="91440" tIns="45720" rIns="91440" bIns="45720" numCol="1" spcCol="0" rtlCol="0" fromWordArt="0" anchor="ctr" anchorCtr="0" forceAA="0" compatLnSpc="1">
+            <a:prstTxWarp prst="textNoShape">
+              <a:avLst/>
+            </a:prstTxWarp>
+            <a:noAutofit/>
+          </a:bodyPr>
+          <a:lstStyle/>
+          <a:p>
+            <a:pPr algn="ctr" fontAlgn="auto">
+              <a:spcBef>
+                <a:spcPts val="0"/>
+              </a:spcBef>
+              <a:spcAft>
+                <a:spcPts val="0"/>
+              </a:spcAft>
+            </a:pPr>
+            <a:endParaRPr kumimoji="0" lang="ko-KR" altLang="en-US" sz="1200" b="1" dirty="0" smtClean="0">
+              <a:solidFill>
+                <a:srgbClr val="EBEBF0"/>
+              </a:solidFill>
+            </a:endParaRPr>
+          </a:p>
+        </p:txBody>
+      </p:sp>
+      <p:sp>
+        <p:nvSpPr>
+          <p:cNvPr id="62" name="직사각형 61"/>
+          <p:cNvSpPr/>
+          <p:nvPr/>
+        </p:nvSpPr>
+        <p:spPr>
+          <a:xfrm>
+            <a:off x="4786314" y="3357562"/>
+            <a:ext cx="900000" cy="108000"/>
+          </a:xfrm>
+          <a:prstGeom prst="rect">
+            <a:avLst/>
+          </a:prstGeom>
+          <a:solidFill>
+            <a:srgbClr val="A47160"/>
+          </a:solidFill>
+          <a:ln>
+            <a:solidFill>
+              <a:schemeClr val="bg2"/>
+            </a:solidFill>
+          </a:ln>
+        </p:spPr>
+        <p:style>
+          <a:lnRef idx="2">
+            <a:schemeClr val="accent1">
+              <a:shade val="50000"/>
+            </a:schemeClr>
+          </a:lnRef>
+          <a:fillRef idx="1">
+            <a:schemeClr val="accent1"/>
+          </a:fillRef>
+          <a:effectRef idx="0">
+            <a:schemeClr val="accent1"/>
+          </a:effectRef>
+          <a:fontRef idx="minor">
+            <a:schemeClr val="lt1"/>
+          </a:fontRef>
+        </p:style>
+        <p:txBody>
+          <a:bodyPr rot="0" spcFirstLastPara="0" vertOverflow="overflow" horzOverflow="overflow" vert="horz" wrap="square" lIns="91440" tIns="45720" rIns="91440" bIns="45720" numCol="1" spcCol="0" rtlCol="0" fromWordArt="0" anchor="ctr" anchorCtr="0" forceAA="0" compatLnSpc="1">
+            <a:prstTxWarp prst="textNoShape">
+              <a:avLst/>
+            </a:prstTxWarp>
+            <a:noAutofit/>
+          </a:bodyPr>
+          <a:lstStyle/>
+          <a:p>
+            <a:pPr algn="ctr" fontAlgn="auto">
+              <a:spcBef>
+                <a:spcPts val="0"/>
+              </a:spcBef>
+              <a:spcAft>
+                <a:spcPts val="0"/>
+              </a:spcAft>
+            </a:pPr>
+            <a:endParaRPr kumimoji="0" lang="ko-KR" altLang="en-US" sz="1200" b="1" dirty="0" smtClean="0">
+              <a:solidFill>
+                <a:srgbClr val="EBEBF0"/>
+              </a:solidFill>
+            </a:endParaRPr>
+          </a:p>
+        </p:txBody>
+      </p:sp>
+      <p:sp>
+        <p:nvSpPr>
+          <p:cNvPr id="63" name="직사각형 62"/>
+          <p:cNvSpPr/>
+          <p:nvPr/>
+        </p:nvSpPr>
+        <p:spPr>
+          <a:xfrm>
+            <a:off x="5715008" y="3714752"/>
+            <a:ext cx="900000" cy="108000"/>
+          </a:xfrm>
+          <a:prstGeom prst="rect">
+            <a:avLst/>
+          </a:prstGeom>
+          <a:solidFill>
+            <a:srgbClr val="C00000"/>
+          </a:solidFill>
+          <a:ln>
+            <a:solidFill>
+              <a:schemeClr val="bg2"/>
+            </a:solidFill>
+          </a:ln>
+        </p:spPr>
+        <p:style>
+          <a:lnRef idx="2">
+            <a:schemeClr val="accent1">
+              <a:shade val="50000"/>
+            </a:schemeClr>
+          </a:lnRef>
+          <a:fillRef idx="1">
+            <a:schemeClr val="accent1"/>
+          </a:fillRef>
+          <a:effectRef idx="0">
+            <a:schemeClr val="accent1"/>
+          </a:effectRef>
+          <a:fontRef idx="minor">
+            <a:schemeClr val="lt1"/>
+          </a:fontRef>
+        </p:style>
+        <p:txBody>
+          <a:bodyPr rot="0" spcFirstLastPara="0" vertOverflow="overflow" horzOverflow="overflow" vert="horz" wrap="square" lIns="91440" tIns="45720" rIns="91440" bIns="45720" numCol="1" spcCol="0" rtlCol="0" fromWordArt="0" anchor="ctr" anchorCtr="0" forceAA="0" compatLnSpc="1">
+            <a:prstTxWarp prst="textNoShape">
+              <a:avLst/>
+            </a:prstTxWarp>
+            <a:noAutofit/>
+          </a:bodyPr>
+          <a:lstStyle/>
+          <a:p>
+            <a:pPr algn="ctr" fontAlgn="auto">
+              <a:spcBef>
+                <a:spcPts val="0"/>
+              </a:spcBef>
+              <a:spcAft>
+                <a:spcPts val="0"/>
+              </a:spcAft>
+            </a:pPr>
+            <a:endParaRPr kumimoji="0" lang="ko-KR" altLang="en-US" sz="1200" b="1" dirty="0" smtClean="0">
+              <a:solidFill>
+                <a:srgbClr val="EBEBF0"/>
+              </a:solidFill>
+            </a:endParaRPr>
+          </a:p>
+        </p:txBody>
+      </p:sp>
+      <p:sp>
+        <p:nvSpPr>
+          <p:cNvPr id="64" name="직사각형 63"/>
+          <p:cNvSpPr/>
+          <p:nvPr/>
+        </p:nvSpPr>
+        <p:spPr>
+          <a:xfrm>
+            <a:off x="5715008" y="4071942"/>
+            <a:ext cx="900000" cy="108000"/>
+          </a:xfrm>
+          <a:prstGeom prst="rect">
+            <a:avLst/>
+          </a:prstGeom>
+          <a:solidFill>
+            <a:srgbClr val="C00000"/>
+          </a:solidFill>
+          <a:ln>
+            <a:solidFill>
+              <a:schemeClr val="bg2"/>
+            </a:solidFill>
+          </a:ln>
+        </p:spPr>
+        <p:style>
+          <a:lnRef idx="2">
+            <a:schemeClr val="accent1">
+              <a:shade val="50000"/>
+            </a:schemeClr>
+          </a:lnRef>
+          <a:fillRef idx="1">
+            <a:schemeClr val="accent1"/>
+          </a:fillRef>
+          <a:effectRef idx="0">
+            <a:schemeClr val="accent1"/>
+          </a:effectRef>
+          <a:fontRef idx="minor">
+            <a:schemeClr val="lt1"/>
+          </a:fontRef>
+        </p:style>
+        <p:txBody>
+          <a:bodyPr rot="0" spcFirstLastPara="0" vertOverflow="overflow" horzOverflow="overflow" vert="horz" wrap="square" lIns="91440" tIns="45720" rIns="91440" bIns="45720" numCol="1" spcCol="0" rtlCol="0" fromWordArt="0" anchor="ctr" anchorCtr="0" forceAA="0" compatLnSpc="1">
+            <a:prstTxWarp prst="textNoShape">
+              <a:avLst/>
+            </a:prstTxWarp>
+            <a:noAutofit/>
+          </a:bodyPr>
+          <a:lstStyle/>
+          <a:p>
+            <a:pPr algn="ctr" fontAlgn="auto">
+              <a:spcBef>
+                <a:spcPts val="0"/>
+              </a:spcBef>
+              <a:spcAft>
+                <a:spcPts val="0"/>
+              </a:spcAft>
+            </a:pPr>
+            <a:endParaRPr kumimoji="0" lang="ko-KR" altLang="en-US" sz="1200" b="1" dirty="0" smtClean="0">
+              <a:solidFill>
+                <a:srgbClr val="EBEBF0"/>
+              </a:solidFill>
+            </a:endParaRPr>
+          </a:p>
+        </p:txBody>
+      </p:sp>
+      <p:sp>
+        <p:nvSpPr>
+          <p:cNvPr id="65" name="직사각형 64"/>
+          <p:cNvSpPr/>
+          <p:nvPr/>
+        </p:nvSpPr>
+        <p:spPr>
+          <a:xfrm>
+            <a:off x="5715008" y="4429132"/>
+            <a:ext cx="900000" cy="108000"/>
+          </a:xfrm>
+          <a:prstGeom prst="rect">
+            <a:avLst/>
+          </a:prstGeom>
+          <a:solidFill>
+            <a:srgbClr val="C00000"/>
+          </a:solidFill>
+          <a:ln>
+            <a:solidFill>
+              <a:schemeClr val="bg2"/>
+            </a:solidFill>
+          </a:ln>
+        </p:spPr>
+        <p:style>
+          <a:lnRef idx="2">
+            <a:schemeClr val="accent1">
+              <a:shade val="50000"/>
+            </a:schemeClr>
+          </a:lnRef>
+          <a:fillRef idx="1">
+            <a:schemeClr val="accent1"/>
+          </a:fillRef>
+          <a:effectRef idx="0">
+            <a:schemeClr val="accent1"/>
+          </a:effectRef>
+          <a:fontRef idx="minor">
+            <a:schemeClr val="lt1"/>
+          </a:fontRef>
+        </p:style>
+        <p:txBody>
+          <a:bodyPr rot="0" spcFirstLastPara="0" vertOverflow="overflow" horzOverflow="overflow" vert="horz" wrap="square" lIns="91440" tIns="45720" rIns="91440" bIns="45720" numCol="1" spcCol="0" rtlCol="0" fromWordArt="0" anchor="ctr" anchorCtr="0" forceAA="0" compatLnSpc="1">
+            <a:prstTxWarp prst="textNoShape">
+              <a:avLst/>
+            </a:prstTxWarp>
+            <a:noAutofit/>
+          </a:bodyPr>
+          <a:lstStyle/>
+          <a:p>
+            <a:pPr algn="ctr" fontAlgn="auto">
+              <a:spcBef>
+                <a:spcPts val="0"/>
+              </a:spcBef>
+              <a:spcAft>
+                <a:spcPts val="0"/>
+              </a:spcAft>
+            </a:pPr>
+            <a:endParaRPr kumimoji="0" lang="ko-KR" altLang="en-US" sz="1200" b="1" dirty="0" smtClean="0">
+              <a:solidFill>
+                <a:srgbClr val="EBEBF0"/>
+              </a:solidFill>
+            </a:endParaRPr>
+          </a:p>
+        </p:txBody>
+      </p:sp>
+      <p:sp>
+        <p:nvSpPr>
+          <p:cNvPr id="66" name="직사각형 65"/>
+          <p:cNvSpPr/>
+          <p:nvPr/>
+        </p:nvSpPr>
+        <p:spPr>
+          <a:xfrm>
+            <a:off x="6643702" y="3714752"/>
+            <a:ext cx="900000" cy="108000"/>
+          </a:xfrm>
+          <a:prstGeom prst="rect">
+            <a:avLst/>
+          </a:prstGeom>
+          <a:solidFill>
+            <a:srgbClr val="A47160"/>
+          </a:solidFill>
+          <a:ln>
+            <a:solidFill>
+              <a:schemeClr val="bg2"/>
+            </a:solidFill>
+          </a:ln>
+        </p:spPr>
+        <p:style>
+          <a:lnRef idx="2">
+            <a:schemeClr val="accent1">
+              <a:shade val="50000"/>
+            </a:schemeClr>
+          </a:lnRef>
+          <a:fillRef idx="1">
+            <a:schemeClr val="accent1"/>
+          </a:fillRef>
+          <a:effectRef idx="0">
+            <a:schemeClr val="accent1"/>
+          </a:effectRef>
+          <a:fontRef idx="minor">
+            <a:schemeClr val="lt1"/>
+          </a:fontRef>
+        </p:style>
+        <p:txBody>
+          <a:bodyPr rot="0" spcFirstLastPara="0" vertOverflow="overflow" horzOverflow="overflow" vert="horz" wrap="square" lIns="91440" tIns="45720" rIns="91440" bIns="45720" numCol="1" spcCol="0" rtlCol="0" fromWordArt="0" anchor="ctr" anchorCtr="0" forceAA="0" compatLnSpc="1">
+            <a:prstTxWarp prst="textNoShape">
+              <a:avLst/>
+            </a:prstTxWarp>
+            <a:noAutofit/>
+          </a:bodyPr>
+          <a:lstStyle/>
+          <a:p>
+            <a:pPr algn="ctr" fontAlgn="auto">
+              <a:spcBef>
+                <a:spcPts val="0"/>
+              </a:spcBef>
+              <a:spcAft>
+                <a:spcPts val="0"/>
+              </a:spcAft>
+            </a:pPr>
+            <a:endParaRPr kumimoji="0" lang="ko-KR" altLang="en-US" sz="1200" b="1" dirty="0" smtClean="0">
+              <a:solidFill>
+                <a:srgbClr val="EBEBF0"/>
+              </a:solidFill>
+            </a:endParaRPr>
+          </a:p>
+        </p:txBody>
+      </p:sp>
+      <p:sp>
+        <p:nvSpPr>
+          <p:cNvPr id="67" name="직사각형 66"/>
+          <p:cNvSpPr/>
+          <p:nvPr/>
+        </p:nvSpPr>
+        <p:spPr>
+          <a:xfrm>
+            <a:off x="6643702" y="4071942"/>
+            <a:ext cx="900000" cy="108000"/>
+          </a:xfrm>
+          <a:prstGeom prst="rect">
+            <a:avLst/>
+          </a:prstGeom>
+          <a:solidFill>
+            <a:srgbClr val="A47160"/>
+          </a:solidFill>
+          <a:ln>
+            <a:solidFill>
+              <a:schemeClr val="bg2"/>
+            </a:solidFill>
+          </a:ln>
+        </p:spPr>
+        <p:style>
+          <a:lnRef idx="2">
+            <a:schemeClr val="accent1">
+              <a:shade val="50000"/>
+            </a:schemeClr>
+          </a:lnRef>
+          <a:fillRef idx="1">
+            <a:schemeClr val="accent1"/>
+          </a:fillRef>
+          <a:effectRef idx="0">
+            <a:schemeClr val="accent1"/>
+          </a:effectRef>
+          <a:fontRef idx="minor">
+            <a:schemeClr val="lt1"/>
+          </a:fontRef>
+        </p:style>
+        <p:txBody>
+          <a:bodyPr rot="0" spcFirstLastPara="0" vertOverflow="overflow" horzOverflow="overflow" vert="horz" wrap="square" lIns="91440" tIns="45720" rIns="91440" bIns="45720" numCol="1" spcCol="0" rtlCol="0" fromWordArt="0" anchor="ctr" anchorCtr="0" forceAA="0" compatLnSpc="1">
+            <a:prstTxWarp prst="textNoShape">
+              <a:avLst/>
+            </a:prstTxWarp>
+            <a:noAutofit/>
+          </a:bodyPr>
+          <a:lstStyle/>
+          <a:p>
+            <a:pPr algn="ctr" fontAlgn="auto">
+              <a:spcBef>
+                <a:spcPts val="0"/>
+              </a:spcBef>
+              <a:spcAft>
+                <a:spcPts val="0"/>
+              </a:spcAft>
+            </a:pPr>
+            <a:endParaRPr kumimoji="0" lang="ko-KR" altLang="en-US" sz="1200" b="1" dirty="0" smtClean="0">
+              <a:solidFill>
+                <a:srgbClr val="EBEBF0"/>
+              </a:solidFill>
+            </a:endParaRPr>
+          </a:p>
+        </p:txBody>
+      </p:sp>
+      <p:sp>
+        <p:nvSpPr>
+          <p:cNvPr id="68" name="직사각형 67"/>
+          <p:cNvSpPr/>
+          <p:nvPr/>
+        </p:nvSpPr>
+        <p:spPr>
+          <a:xfrm>
+            <a:off x="6643702" y="4429132"/>
+            <a:ext cx="900000" cy="108000"/>
+          </a:xfrm>
+          <a:prstGeom prst="rect">
+            <a:avLst/>
+          </a:prstGeom>
+          <a:solidFill>
+            <a:srgbClr val="A47160"/>
+          </a:solidFill>
+          <a:ln>
+            <a:solidFill>
+              <a:schemeClr val="bg2"/>
+            </a:solidFill>
+          </a:ln>
+        </p:spPr>
+        <p:style>
+          <a:lnRef idx="2">
+            <a:schemeClr val="accent1">
+              <a:shade val="50000"/>
+            </a:schemeClr>
+          </a:lnRef>
+          <a:fillRef idx="1">
+            <a:schemeClr val="accent1"/>
+          </a:fillRef>
+          <a:effectRef idx="0">
+            <a:schemeClr val="accent1"/>
+          </a:effectRef>
+          <a:fontRef idx="minor">
+            <a:schemeClr val="lt1"/>
+          </a:fontRef>
+        </p:style>
+        <p:txBody>
+          <a:bodyPr rot="0" spcFirstLastPara="0" vertOverflow="overflow" horzOverflow="overflow" vert="horz" wrap="square" lIns="91440" tIns="45720" rIns="91440" bIns="45720" numCol="1" spcCol="0" rtlCol="0" fromWordArt="0" anchor="ctr" anchorCtr="0" forceAA="0" compatLnSpc="1">
+            <a:prstTxWarp prst="textNoShape">
+              <a:avLst/>
+            </a:prstTxWarp>
+            <a:noAutofit/>
+          </a:bodyPr>
+          <a:lstStyle/>
+          <a:p>
+            <a:pPr algn="ctr" fontAlgn="auto">
+              <a:spcBef>
+                <a:spcPts val="0"/>
+              </a:spcBef>
+              <a:spcAft>
+                <a:spcPts val="0"/>
+              </a:spcAft>
+            </a:pPr>
+            <a:endParaRPr kumimoji="0" lang="ko-KR" altLang="en-US" sz="1200" b="1" dirty="0" smtClean="0">
+              <a:solidFill>
+                <a:srgbClr val="EBEBF0"/>
+              </a:solidFill>
+            </a:endParaRPr>
+          </a:p>
+        </p:txBody>
+      </p:sp>
+      <p:sp>
+        <p:nvSpPr>
+          <p:cNvPr id="69" name="직사각형 68"/>
+          <p:cNvSpPr/>
+          <p:nvPr/>
+        </p:nvSpPr>
+        <p:spPr>
+          <a:xfrm>
+            <a:off x="5715008" y="5857892"/>
+            <a:ext cx="900000" cy="108000"/>
+          </a:xfrm>
+          <a:prstGeom prst="rect">
+            <a:avLst/>
+          </a:prstGeom>
+          <a:solidFill>
+            <a:schemeClr val="bg2">
+              <a:lumMod val="75000"/>
+            </a:schemeClr>
+          </a:solidFill>
+          <a:ln>
+            <a:solidFill>
+              <a:schemeClr val="bg2"/>
+            </a:solidFill>
+          </a:ln>
+        </p:spPr>
+        <p:style>
+          <a:lnRef idx="2">
+            <a:schemeClr val="accent1">
+              <a:shade val="50000"/>
+            </a:schemeClr>
+          </a:lnRef>
+          <a:fillRef idx="1">
+            <a:schemeClr val="accent1"/>
+          </a:fillRef>
+          <a:effectRef idx="0">
+            <a:schemeClr val="accent1"/>
+          </a:effectRef>
+          <a:fontRef idx="minor">
+            <a:schemeClr val="lt1"/>
+          </a:fontRef>
+        </p:style>
+        <p:txBody>
+          <a:bodyPr rot="0" spcFirstLastPara="0" vertOverflow="overflow" horzOverflow="overflow" vert="horz" wrap="square" lIns="91440" tIns="45720" rIns="91440" bIns="45720" numCol="1" spcCol="0" rtlCol="0" fromWordArt="0" anchor="ctr" anchorCtr="0" forceAA="0" compatLnSpc="1">
+            <a:prstTxWarp prst="textNoShape">
+              <a:avLst/>
+            </a:prstTxWarp>
+            <a:noAutofit/>
+          </a:bodyPr>
+          <a:lstStyle/>
+          <a:p>
+            <a:pPr algn="ctr" fontAlgn="auto">
+              <a:spcBef>
+                <a:spcPts val="0"/>
+              </a:spcBef>
+              <a:spcAft>
+                <a:spcPts val="0"/>
+              </a:spcAft>
+            </a:pPr>
+            <a:endParaRPr kumimoji="0" lang="ko-KR" altLang="en-US" sz="1200" b="1" dirty="0" smtClean="0">
+              <a:solidFill>
+                <a:srgbClr val="EBEBF0"/>
+              </a:solidFill>
+            </a:endParaRPr>
+          </a:p>
+        </p:txBody>
+      </p:sp>
+      <p:sp>
+        <p:nvSpPr>
+          <p:cNvPr id="70" name="직사각형 69"/>
+          <p:cNvSpPr/>
+          <p:nvPr/>
+        </p:nvSpPr>
+        <p:spPr>
+          <a:xfrm>
+            <a:off x="5715008" y="5535578"/>
+            <a:ext cx="900000" cy="108000"/>
+          </a:xfrm>
+          <a:prstGeom prst="rect">
+            <a:avLst/>
+          </a:prstGeom>
+          <a:solidFill>
+            <a:schemeClr val="bg2">
+              <a:lumMod val="75000"/>
+            </a:schemeClr>
+          </a:solidFill>
+          <a:ln>
+            <a:solidFill>
+              <a:schemeClr val="bg2"/>
+            </a:solidFill>
+          </a:ln>
+        </p:spPr>
+        <p:style>
+          <a:lnRef idx="2">
+            <a:schemeClr val="accent1">
+              <a:shade val="50000"/>
+            </a:schemeClr>
+          </a:lnRef>
+          <a:fillRef idx="1">
+            <a:schemeClr val="accent1"/>
+          </a:fillRef>
+          <a:effectRef idx="0">
+            <a:schemeClr val="accent1"/>
+          </a:effectRef>
+          <a:fontRef idx="minor">
+            <a:schemeClr val="lt1"/>
+          </a:fontRef>
+        </p:style>
+        <p:txBody>
+          <a:bodyPr rot="0" spcFirstLastPara="0" vertOverflow="overflow" horzOverflow="overflow" vert="horz" wrap="square" lIns="91440" tIns="45720" rIns="91440" bIns="45720" numCol="1" spcCol="0" rtlCol="0" fromWordArt="0" anchor="ctr" anchorCtr="0" forceAA="0" compatLnSpc="1">
+            <a:prstTxWarp prst="textNoShape">
+              <a:avLst/>
+            </a:prstTxWarp>
+            <a:noAutofit/>
+          </a:bodyPr>
+          <a:lstStyle/>
+          <a:p>
+            <a:pPr algn="ctr" fontAlgn="auto">
+              <a:spcBef>
+                <a:spcPts val="0"/>
+              </a:spcBef>
+              <a:spcAft>
+                <a:spcPts val="0"/>
+              </a:spcAft>
+            </a:pPr>
+            <a:endParaRPr kumimoji="0" lang="ko-KR" altLang="en-US" sz="1200" b="1" dirty="0" smtClean="0">
+              <a:solidFill>
+                <a:srgbClr val="EBEBF0"/>
+              </a:solidFill>
+            </a:endParaRPr>
+          </a:p>
+        </p:txBody>
+      </p:sp>
+      <p:sp>
+        <p:nvSpPr>
+          <p:cNvPr id="71" name="직사각형 70"/>
+          <p:cNvSpPr/>
+          <p:nvPr/>
+        </p:nvSpPr>
+        <p:spPr>
+          <a:xfrm>
+            <a:off x="5715008" y="5214950"/>
+            <a:ext cx="900000" cy="108000"/>
+          </a:xfrm>
+          <a:prstGeom prst="rect">
+            <a:avLst/>
+          </a:prstGeom>
+          <a:solidFill>
+            <a:schemeClr val="bg2">
+              <a:lumMod val="75000"/>
+            </a:schemeClr>
+          </a:solidFill>
+          <a:ln>
+            <a:solidFill>
+              <a:schemeClr val="bg2"/>
+            </a:solidFill>
+          </a:ln>
+        </p:spPr>
+        <p:style>
+          <a:lnRef idx="2">
+            <a:schemeClr val="accent1">
+              <a:shade val="50000"/>
+            </a:schemeClr>
+          </a:lnRef>
+          <a:fillRef idx="1">
+            <a:schemeClr val="accent1"/>
+          </a:fillRef>
+          <a:effectRef idx="0">
+            <a:schemeClr val="accent1"/>
+          </a:effectRef>
+          <a:fontRef idx="minor">
+            <a:schemeClr val="lt1"/>
+          </a:fontRef>
+        </p:style>
+        <p:txBody>
+          <a:bodyPr rot="0" spcFirstLastPara="0" vertOverflow="overflow" horzOverflow="overflow" vert="horz" wrap="square" lIns="91440" tIns="45720" rIns="91440" bIns="45720" numCol="1" spcCol="0" rtlCol="0" fromWordArt="0" anchor="ctr" anchorCtr="0" forceAA="0" compatLnSpc="1">
+            <a:prstTxWarp prst="textNoShape">
+              <a:avLst/>
+            </a:prstTxWarp>
+            <a:noAutofit/>
+          </a:bodyPr>
+          <a:lstStyle/>
+          <a:p>
+            <a:pPr algn="ctr" fontAlgn="auto">
+              <a:spcBef>
+                <a:spcPts val="0"/>
+              </a:spcBef>
+              <a:spcAft>
+                <a:spcPts val="0"/>
+              </a:spcAft>
+            </a:pPr>
+            <a:endParaRPr kumimoji="0" lang="ko-KR" altLang="en-US" sz="1200" b="1" dirty="0" smtClean="0">
+              <a:solidFill>
+                <a:srgbClr val="EBEBF0"/>
+              </a:solidFill>
+            </a:endParaRPr>
+          </a:p>
+        </p:txBody>
+      </p:sp>
     </p:spTree>
     <p:extLst>
       <p:ext uri="{BB962C8B-B14F-4D97-AF65-F5344CB8AC3E}">
-        <p14:creationId xmlns="" xmlns:p14="http://schemas.microsoft.com/office/powerpoint/2010/main" val="2842921064"/>
+        <p14:creationId xmlns:p14="http://schemas.microsoft.com/office/powerpoint/2010/main" xmlns="" val="2842921064"/>
       </p:ext>
     </p:extLst>
   </p:cSld>
